--- a/Poster_Pimpmyfridge.pptx
+++ b/Poster_Pimpmyfridge.pptx
@@ -171,6 +171,10 @@
   <p:cmAuthor id="2" name="A.KOTOULAS" initials="HELP - " lastIdx="1" clrIdx="2"/>
   <p:cmAuthor id="3" name="PosterPresentations.com - 510.649.3001" initials="HELP - " lastIdx="1" clrIdx="3"/>
 </p:cmAuthorLst>
+</file>
+
+<file path=ppt/revisionInfo.xml><?xml version="1.0" encoding="utf-8"?>
+<p1510:revInfo xmlns:a="http://schemas.openxmlformats.org/drawingml/2006/main" xmlns:r="http://schemas.openxmlformats.org/officeDocument/2006/relationships" xmlns:p1510="http://schemas.microsoft.com/office/powerpoint/2015/10/main"/>
 </file>
 
 <file path=ppt/handoutMasters/handoutMaster1.xml><?xml version="1.0" encoding="utf-8"?>
@@ -4446,7 +4450,7 @@
               <a:graphicData uri="http://schemas.openxmlformats.org/presentationml/2006/ole">
                 <mc:AlternateContent xmlns:mc="http://schemas.openxmlformats.org/markup-compatibility/2006">
                   <mc:Choice xmlns:v="urn:schemas-microsoft-com:vml" Requires="v">
-                    <p:oleObj spid="_x0000_s2166" name="Image" r:id="rId8" imgW="1828440" imgH="1117440" progId="Photoshop.Image.13">
+                    <p:oleObj spid="_x0000_s2174" name="Image" r:id="rId8" imgW="1828440" imgH="1117440" progId="Photoshop.Image.13">
                       <p:embed/>
                     </p:oleObj>
                   </mc:Choice>
@@ -4503,7 +4507,7 @@
               <a:graphicData uri="http://schemas.openxmlformats.org/presentationml/2006/ole">
                 <mc:AlternateContent xmlns:mc="http://schemas.openxmlformats.org/markup-compatibility/2006">
                   <mc:Choice xmlns:v="urn:schemas-microsoft-com:vml" Requires="v">
-                    <p:oleObj spid="_x0000_s2167" name="Image" r:id="rId10" imgW="1828440" imgH="1117440" progId="Photoshop.Image.13">
+                    <p:oleObj spid="_x0000_s2175" name="Image" r:id="rId10" imgW="1828440" imgH="1117440" progId="Photoshop.Image.13">
                       <p:embed/>
                     </p:oleObj>
                   </mc:Choice>
@@ -5638,7 +5642,7 @@
             <a:graphicData uri="http://schemas.openxmlformats.org/presentationml/2006/ole">
               <mc:AlternateContent xmlns:mc="http://schemas.openxmlformats.org/markup-compatibility/2006">
                 <mc:Choice xmlns:v="urn:schemas-microsoft-com:vml" Requires="v">
-                  <p:oleObj spid="_x0000_s2168" name="Image" r:id="rId12" imgW="4571280" imgH="1688760" progId="Photoshop.Image.13">
+                  <p:oleObj spid="_x0000_s2176" name="Image" r:id="rId12" imgW="4571280" imgH="1688760" progId="Photoshop.Image.13">
                     <p:embed/>
                   </p:oleObj>
                 </mc:Choice>
@@ -5722,7 +5726,7 @@
             <a:graphicData uri="http://schemas.openxmlformats.org/presentationml/2006/ole">
               <mc:AlternateContent xmlns:mc="http://schemas.openxmlformats.org/markup-compatibility/2006">
                 <mc:Choice xmlns:v="urn:schemas-microsoft-com:vml" Requires="v">
-                  <p:oleObj spid="_x0000_s2169" name="Image" r:id="rId15" imgW="1574280" imgH="1053720" progId="Photoshop.Image.13">
+                  <p:oleObj spid="_x0000_s2177" name="Image" r:id="rId15" imgW="1574280" imgH="1053720" progId="Photoshop.Image.13">
                     <p:embed/>
                   </p:oleObj>
                 </mc:Choice>
@@ -6452,72 +6456,8 @@
               <a:buChar char="-"/>
             </a:pPr>
             <a:r>
-              <a:rPr lang="en-US" dirty="0"/>
-              <a:t>Nous </a:t>
-            </a:r>
-            <a:r>
-              <a:rPr lang="en-US" dirty="0" err="1"/>
-              <a:t>nous</a:t>
-            </a:r>
-            <a:r>
-              <a:rPr lang="en-US" dirty="0"/>
-              <a:t> </a:t>
-            </a:r>
-            <a:r>
-              <a:rPr lang="en-US" dirty="0" err="1"/>
-              <a:t>sommes</a:t>
-            </a:r>
-            <a:r>
-              <a:rPr lang="en-US" dirty="0"/>
-              <a:t> </a:t>
-            </a:r>
-            <a:r>
-              <a:rPr lang="en-US" dirty="0" err="1"/>
-              <a:t>procuré</a:t>
-            </a:r>
-            <a:r>
-              <a:rPr lang="en-US" dirty="0"/>
-              <a:t> un mini </a:t>
-            </a:r>
-            <a:r>
-              <a:rPr lang="en-US" dirty="0" err="1"/>
-              <a:t>réfrigirateur</a:t>
-            </a:r>
-            <a:r>
-              <a:rPr lang="en-US" dirty="0"/>
-              <a:t> USB qui </a:t>
-            </a:r>
-            <a:r>
-              <a:rPr lang="en-US" dirty="0" err="1"/>
-              <a:t>refroidit</a:t>
-            </a:r>
-            <a:r>
-              <a:rPr lang="en-US" dirty="0"/>
-              <a:t> </a:t>
-            </a:r>
-            <a:r>
-              <a:rPr lang="en-US" dirty="0" err="1"/>
-              <a:t>notre</a:t>
-            </a:r>
-            <a:r>
-              <a:rPr lang="en-US" dirty="0"/>
-              <a:t> </a:t>
-            </a:r>
-            <a:r>
-              <a:rPr lang="en-US" dirty="0" err="1"/>
-              <a:t>boisson</a:t>
-            </a:r>
-            <a:r>
-              <a:rPr lang="en-US" dirty="0"/>
-              <a:t> </a:t>
-            </a:r>
-            <a:r>
-              <a:rPr lang="en-US" dirty="0" err="1"/>
-              <a:t>préférée</a:t>
-            </a:r>
-            <a:r>
-              <a:rPr lang="en-US" dirty="0"/>
-              <a:t>.</a:t>
+              <a:rPr lang="fr-FR" dirty="0"/>
+              <a:t>Nous nous sommes procuré un mini réfrigérateur USB qui refroidit notre boisson préférée.</a:t>
             </a:r>
           </a:p>
           <a:p>
@@ -6526,168 +6466,8 @@
               <a:buChar char="-"/>
             </a:pPr>
             <a:r>
-              <a:rPr lang="en-US" dirty="0"/>
-              <a:t>Après </a:t>
-            </a:r>
-            <a:r>
-              <a:rPr lang="en-US" dirty="0" err="1"/>
-              <a:t>quelques</a:t>
-            </a:r>
-            <a:r>
-              <a:rPr lang="en-US" dirty="0"/>
-              <a:t> </a:t>
-            </a:r>
-            <a:r>
-              <a:rPr lang="en-US" dirty="0" err="1"/>
-              <a:t>heures</a:t>
-            </a:r>
-            <a:r>
-              <a:rPr lang="en-US" dirty="0"/>
-              <a:t> </a:t>
-            </a:r>
-            <a:r>
-              <a:rPr lang="en-US" dirty="0" err="1"/>
-              <a:t>d’utilisation</a:t>
-            </a:r>
-            <a:r>
-              <a:rPr lang="en-US" dirty="0"/>
-              <a:t> nous </a:t>
-            </a:r>
-            <a:r>
-              <a:rPr lang="en-US" dirty="0" err="1"/>
-              <a:t>nous</a:t>
-            </a:r>
-            <a:r>
-              <a:rPr lang="en-US" dirty="0"/>
-              <a:t> </a:t>
-            </a:r>
-            <a:r>
-              <a:rPr lang="en-US" dirty="0" err="1"/>
-              <a:t>sommes</a:t>
-            </a:r>
-            <a:r>
-              <a:rPr lang="en-US" dirty="0"/>
-              <a:t> </a:t>
-            </a:r>
-            <a:r>
-              <a:rPr lang="en-US" dirty="0" err="1"/>
-              <a:t>rendu</a:t>
-            </a:r>
-            <a:r>
-              <a:rPr lang="en-US" dirty="0"/>
-              <a:t> </a:t>
-            </a:r>
-            <a:r>
-              <a:rPr lang="en-US" dirty="0" err="1"/>
-              <a:t>compte</a:t>
-            </a:r>
-            <a:r>
-              <a:rPr lang="en-US" dirty="0"/>
-              <a:t> que la temperature </a:t>
-            </a:r>
-            <a:r>
-              <a:rPr lang="en-US" dirty="0" err="1"/>
-              <a:t>extérieure</a:t>
-            </a:r>
-            <a:r>
-              <a:rPr lang="en-US" dirty="0"/>
-              <a:t> influence la temperature de </a:t>
-            </a:r>
-            <a:r>
-              <a:rPr lang="en-US" dirty="0" err="1"/>
-              <a:t>notre</a:t>
-            </a:r>
-            <a:r>
-              <a:rPr lang="en-US" dirty="0"/>
-              <a:t> </a:t>
-            </a:r>
-            <a:r>
-              <a:rPr lang="en-US" dirty="0" err="1"/>
-              <a:t>boisson</a:t>
-            </a:r>
-            <a:r>
-              <a:rPr lang="en-US" dirty="0"/>
-              <a:t>. La </a:t>
-            </a:r>
-            <a:r>
-              <a:rPr lang="en-US" dirty="0" err="1"/>
-              <a:t>plupart</a:t>
-            </a:r>
-            <a:r>
-              <a:rPr lang="en-US" dirty="0"/>
-              <a:t> du temps </a:t>
-            </a:r>
-            <a:r>
-              <a:rPr lang="en-US" dirty="0" err="1"/>
-              <a:t>notre</a:t>
-            </a:r>
-            <a:r>
-              <a:rPr lang="en-US" dirty="0"/>
-              <a:t> </a:t>
-            </a:r>
-            <a:r>
-              <a:rPr lang="en-US" dirty="0" err="1"/>
-              <a:t>boisson</a:t>
-            </a:r>
-            <a:r>
-              <a:rPr lang="en-US" dirty="0"/>
-              <a:t> </a:t>
-            </a:r>
-            <a:r>
-              <a:rPr lang="en-US" dirty="0" err="1"/>
-              <a:t>est</a:t>
-            </a:r>
-            <a:r>
-              <a:rPr lang="en-US" dirty="0"/>
-              <a:t> trop fraiche, </a:t>
-            </a:r>
-            <a:r>
-              <a:rPr lang="en-US" dirty="0" err="1"/>
-              <a:t>ce</a:t>
-            </a:r>
-            <a:r>
-              <a:rPr lang="en-US" dirty="0"/>
-              <a:t> qui ne nous </a:t>
-            </a:r>
-            <a:r>
-              <a:rPr lang="en-US" dirty="0" err="1"/>
-              <a:t>permet</a:t>
-            </a:r>
-            <a:r>
-              <a:rPr lang="en-US" dirty="0"/>
-              <a:t> pas </a:t>
-            </a:r>
-            <a:r>
-              <a:rPr lang="en-US" dirty="0" err="1"/>
-              <a:t>d’apprécier</a:t>
-            </a:r>
-            <a:r>
-              <a:rPr lang="en-US" dirty="0"/>
-              <a:t> </a:t>
-            </a:r>
-            <a:r>
-              <a:rPr lang="en-US" dirty="0" err="1"/>
-              <a:t>tous</a:t>
-            </a:r>
-            <a:r>
-              <a:rPr lang="en-US" dirty="0"/>
-              <a:t> les </a:t>
-            </a:r>
-            <a:r>
-              <a:rPr lang="en-US" dirty="0" err="1"/>
-              <a:t>arômes</a:t>
-            </a:r>
-            <a:r>
-              <a:rPr lang="en-US" dirty="0"/>
-              <a:t> de </a:t>
-            </a:r>
-            <a:r>
-              <a:rPr lang="en-US" dirty="0" err="1"/>
-              <a:t>celle</a:t>
-            </a:r>
-            <a:r>
-              <a:rPr lang="en-US" dirty="0"/>
-              <a:t>-ci.</a:t>
+              <a:rPr lang="fr-FR" dirty="0"/>
+              <a:t>Après quelques heures d’utilisation nous nous sommes rendu compte que la température extérieure influence la température de notre boisson. La plupart du temps notre boisson est trop fraiche, ce qui ne nous permet pas d’apprécier tous les arômes de celle-ci.</a:t>
             </a:r>
           </a:p>
           <a:p>
@@ -6696,64 +6476,8 @@
               <a:buChar char="-"/>
             </a:pPr>
             <a:r>
-              <a:rPr lang="en-US" dirty="0"/>
-              <a:t>Nous </a:t>
-            </a:r>
-            <a:r>
-              <a:rPr lang="en-US" dirty="0" err="1"/>
-              <a:t>décidons</a:t>
-            </a:r>
-            <a:r>
-              <a:rPr lang="en-US" dirty="0"/>
-              <a:t> </a:t>
-            </a:r>
-            <a:r>
-              <a:rPr lang="en-US" dirty="0" err="1"/>
-              <a:t>donc</a:t>
-            </a:r>
-            <a:r>
-              <a:rPr lang="en-US" dirty="0"/>
-              <a:t> </a:t>
-            </a:r>
-            <a:r>
-              <a:rPr lang="en-US" dirty="0" err="1"/>
-              <a:t>d’utiliser</a:t>
-            </a:r>
-            <a:r>
-              <a:rPr lang="en-US" dirty="0"/>
-              <a:t> </a:t>
-            </a:r>
-            <a:r>
-              <a:rPr lang="en-US" dirty="0" err="1"/>
-              <a:t>notre</a:t>
-            </a:r>
-            <a:r>
-              <a:rPr lang="en-US" dirty="0"/>
-              <a:t> carte Arduino pour </a:t>
-            </a:r>
-            <a:r>
-              <a:rPr lang="en-US" dirty="0" err="1"/>
-              <a:t>agir</a:t>
-            </a:r>
-            <a:r>
-              <a:rPr lang="en-US" dirty="0"/>
-              <a:t> sur </a:t>
-            </a:r>
-            <a:r>
-              <a:rPr lang="en-US" dirty="0" err="1"/>
-              <a:t>ce</a:t>
-            </a:r>
-            <a:r>
-              <a:rPr lang="en-US" dirty="0"/>
-              <a:t> </a:t>
-            </a:r>
-            <a:r>
-              <a:rPr lang="en-US" dirty="0" err="1"/>
-              <a:t>problème</a:t>
-            </a:r>
-            <a:r>
-              <a:rPr lang="en-US" dirty="0"/>
-              <a:t>.</a:t>
+              <a:rPr lang="fr-FR" dirty="0"/>
+              <a:t>Nous décidons donc d’utiliser notre carte Arduino pour agir sur ce problème.</a:t>
             </a:r>
           </a:p>
         </p:txBody>
@@ -6796,10 +6520,9 @@
           <a:lstStyle/>
           <a:p>
             <a:r>
-              <a:rPr lang="en-US" dirty="0" err="1"/>
+              <a:rPr lang="fr-FR" dirty="0"/>
               <a:t>Objectifs</a:t>
             </a:r>
-            <a:endParaRPr lang="en-US" dirty="0"/>
           </a:p>
         </p:txBody>
       </p:sp>
@@ -6836,30 +6559,6 @@
       </p:sp>
       <p:sp>
         <p:nvSpPr>
-          <p:cNvPr id="340" name="Text Placeholder 339"/>
-          <p:cNvSpPr>
-            <a:spLocks noGrp="1"/>
-          </p:cNvSpPr>
-          <p:nvPr>
-            <p:ph type="body" sz="quarter" idx="26"/>
-          </p:nvPr>
-        </p:nvSpPr>
-        <p:spPr>
-          <a:xfrm>
-            <a:off x="23391627" y="10280312"/>
-            <a:ext cx="18515485" cy="2072557"/>
-          </a:xfrm>
-        </p:spPr>
-        <p:txBody>
-          <a:bodyPr/>
-          <a:lstStyle/>
-          <a:p>
-            <a:endParaRPr lang="en-US" dirty="0"/>
-          </a:p>
-        </p:txBody>
-      </p:sp>
-      <p:sp>
-        <p:nvSpPr>
           <p:cNvPr id="341" name="Text Placeholder 340"/>
           <p:cNvSpPr>
             <a:spLocks noGrp="1"/>
@@ -6887,7 +6586,12 @@
             <p:ph type="body" sz="quarter" idx="28"/>
           </p:nvPr>
         </p:nvSpPr>
-        <p:spPr/>
+        <p:spPr>
+          <a:xfrm>
+            <a:off x="21699133" y="13648379"/>
+            <a:ext cx="20202431" cy="1061396"/>
+          </a:xfrm>
+        </p:spPr>
         <p:txBody>
           <a:bodyPr/>
           <a:lstStyle/>
@@ -6928,12 +6632,17 @@
             <p:ph type="body" sz="quarter" idx="30"/>
           </p:nvPr>
         </p:nvSpPr>
-        <p:spPr/>
+        <p:spPr>
+          <a:xfrm>
+            <a:off x="21706875" y="24192709"/>
+            <a:ext cx="20194689" cy="1061396"/>
+          </a:xfrm>
+        </p:spPr>
         <p:txBody>
           <a:bodyPr/>
           <a:lstStyle/>
           <a:p>
-            <a:endParaRPr lang="en-US"/>
+            <a:endParaRPr lang="en-US" dirty="0"/>
           </a:p>
         </p:txBody>
       </p:sp>
@@ -6958,52 +6667,8 @@
           <a:lstStyle/>
           <a:p>
             <a:r>
-              <a:rPr lang="en-US" dirty="0" err="1"/>
-              <a:t>Mise</a:t>
-            </a:r>
-            <a:r>
-              <a:rPr lang="en-US" dirty="0"/>
-              <a:t> </a:t>
-            </a:r>
-            <a:r>
-              <a:rPr lang="en-US" dirty="0" err="1"/>
-              <a:t>en</a:t>
-            </a:r>
-            <a:r>
-              <a:rPr lang="en-US" dirty="0"/>
-              <a:t> place </a:t>
-            </a:r>
-            <a:r>
-              <a:rPr lang="en-US" dirty="0" err="1"/>
-              <a:t>d’une</a:t>
-            </a:r>
-            <a:r>
-              <a:rPr lang="en-US" dirty="0"/>
-              <a:t> interface </a:t>
-            </a:r>
-            <a:r>
-              <a:rPr lang="en-US" dirty="0" err="1"/>
-              <a:t>graphique</a:t>
-            </a:r>
-            <a:r>
-              <a:rPr lang="en-US" dirty="0"/>
-              <a:t> </a:t>
-            </a:r>
-            <a:r>
-              <a:rPr lang="en-US" dirty="0" err="1"/>
-              <a:t>en</a:t>
-            </a:r>
-            <a:r>
-              <a:rPr lang="en-US" dirty="0"/>
-              <a:t> Java </a:t>
-            </a:r>
-            <a:r>
-              <a:rPr lang="en-US" dirty="0" err="1"/>
-              <a:t>permettant</a:t>
-            </a:r>
-            <a:r>
-              <a:rPr lang="en-US" dirty="0"/>
-              <a:t> :</a:t>
+              <a:rPr lang="fr-FR" dirty="0"/>
+              <a:t>Mise en place d’une interface graphique en Java permettant :</a:t>
             </a:r>
           </a:p>
           <a:p>
@@ -7012,16 +6677,8 @@
               <a:buChar char="-"/>
             </a:pPr>
             <a:r>
-              <a:rPr lang="en-US" dirty="0"/>
-              <a:t>De modifier la temperature de la </a:t>
-            </a:r>
-            <a:r>
-              <a:rPr lang="en-US" dirty="0" err="1"/>
-              <a:t>consigne</a:t>
-            </a:r>
-            <a:r>
-              <a:rPr lang="en-US" dirty="0"/>
-              <a:t>.</a:t>
+              <a:rPr lang="fr-FR" dirty="0"/>
+              <a:t>De modifier la température de la consigne.</a:t>
             </a:r>
           </a:p>
           <a:p>
@@ -7030,36 +6687,8 @@
               <a:buChar char="-"/>
             </a:pPr>
             <a:r>
-              <a:rPr lang="en-US" dirty="0" err="1"/>
-              <a:t>D’afficher</a:t>
-            </a:r>
-            <a:r>
-              <a:rPr lang="en-US" dirty="0"/>
-              <a:t> </a:t>
-            </a:r>
-            <a:r>
-              <a:rPr lang="en-US" dirty="0" err="1"/>
-              <a:t>l’évolution</a:t>
-            </a:r>
-            <a:r>
-              <a:rPr lang="en-US" dirty="0"/>
-              <a:t> des temperatures de </a:t>
-            </a:r>
-            <a:r>
-              <a:rPr lang="en-US" dirty="0" err="1"/>
-              <a:t>l’interieur</a:t>
-            </a:r>
-            <a:r>
-              <a:rPr lang="en-US" dirty="0"/>
-              <a:t> et de </a:t>
-            </a:r>
-            <a:r>
-              <a:rPr lang="en-US" dirty="0" err="1"/>
-              <a:t>l’extérieur</a:t>
-            </a:r>
-            <a:r>
-              <a:rPr lang="en-US" dirty="0"/>
-              <a:t>.</a:t>
+              <a:rPr lang="fr-FR" dirty="0"/>
+              <a:t>D’afficher l’évolution des températures de l’intérieur et de l’extérieur.</a:t>
             </a:r>
           </a:p>
           <a:p>
@@ -7068,36 +6697,8 @@
               <a:buChar char="-"/>
             </a:pPr>
             <a:r>
-              <a:rPr lang="en-US" dirty="0" err="1"/>
-              <a:t>D’alerter</a:t>
-            </a:r>
-            <a:r>
-              <a:rPr lang="en-US" dirty="0"/>
-              <a:t> </a:t>
-            </a:r>
-            <a:r>
-              <a:rPr lang="en-US" dirty="0" err="1"/>
-              <a:t>l’utilisateur</a:t>
-            </a:r>
-            <a:r>
-              <a:rPr lang="en-US" dirty="0"/>
-              <a:t> </a:t>
-            </a:r>
-            <a:r>
-              <a:rPr lang="en-US" dirty="0" err="1"/>
-              <a:t>en</a:t>
-            </a:r>
-            <a:r>
-              <a:rPr lang="en-US" dirty="0"/>
-              <a:t> </a:t>
-            </a:r>
-            <a:r>
-              <a:rPr lang="en-US" dirty="0" err="1"/>
-              <a:t>cas</a:t>
-            </a:r>
-            <a:r>
-              <a:rPr lang="en-US" dirty="0"/>
-              <a:t> de condensation.</a:t>
+              <a:rPr lang="fr-FR" dirty="0"/>
+              <a:t>D’alerter l’utilisateur en cas de condensation.</a:t>
             </a:r>
           </a:p>
         </p:txBody>
@@ -7275,7 +6876,7 @@
         <p:spPr>
           <a:xfrm>
             <a:off x="1190847" y="19925415"/>
-            <a:ext cx="18961745" cy="6124754"/>
+            <a:ext cx="18961745" cy="8710077"/>
           </a:xfrm>
           <a:prstGeom prst="rect">
             <a:avLst/>
@@ -7289,11 +6890,20 @@
           <a:lstStyle/>
           <a:p>
             <a:r>
+              <a:rPr lang="fr-FR" sz="4000" dirty="0">
+                <a:latin typeface="Times New Roman" panose="02020603050405020304" pitchFamily="18" charset="0"/>
+                <a:cs typeface="Times New Roman" panose="02020603050405020304" pitchFamily="18" charset="0"/>
+              </a:rPr>
+              <a:t>Utilisation d’un transistor MOSFET :</a:t>
+            </a:r>
+          </a:p>
+          <a:p>
+            <a:r>
               <a:rPr lang="fr-FR" sz="2800" dirty="0">
                 <a:latin typeface="Times New Roman" panose="02020603050405020304" pitchFamily="18" charset="0"/>
                 <a:cs typeface="Times New Roman" panose="02020603050405020304" pitchFamily="18" charset="0"/>
               </a:rPr>
-              <a:t>Outil</a:t>
+              <a:t>-Régulation de température (plage de température de 15 à 25)</a:t>
             </a:r>
           </a:p>
           <a:p>
@@ -7302,8 +6912,14 @@
                 <a:latin typeface="Times New Roman" panose="02020603050405020304" pitchFamily="18" charset="0"/>
                 <a:cs typeface="Times New Roman" panose="02020603050405020304" pitchFamily="18" charset="0"/>
               </a:rPr>
-              <a:t>Expliquer concepts utilisés</a:t>
-            </a:r>
+              <a:t>-</a:t>
+            </a:r>
+          </a:p>
+          <a:p>
+            <a:endParaRPr lang="fr-FR" sz="2800" dirty="0">
+              <a:latin typeface="Times New Roman" panose="02020603050405020304" pitchFamily="18" charset="0"/>
+              <a:cs typeface="Times New Roman" panose="02020603050405020304" pitchFamily="18" charset="0"/>
+            </a:endParaRPr>
           </a:p>
           <a:p>
             <a:r>
@@ -7311,7 +6927,7 @@
                 <a:latin typeface="Times New Roman" panose="02020603050405020304" pitchFamily="18" charset="0"/>
                 <a:cs typeface="Times New Roman" panose="02020603050405020304" pitchFamily="18" charset="0"/>
               </a:rPr>
-              <a:t>U</a:t>
+              <a:t>Effet Peltier:</a:t>
             </a:r>
           </a:p>
           <a:p>
@@ -7321,12 +6937,51 @@
             </a:endParaRPr>
           </a:p>
           <a:p>
+            <a:endParaRPr lang="fr-FR" sz="2800" dirty="0">
+              <a:latin typeface="Times New Roman" panose="02020603050405020304" pitchFamily="18" charset="0"/>
+              <a:cs typeface="Times New Roman" panose="02020603050405020304" pitchFamily="18" charset="0"/>
+            </a:endParaRPr>
+          </a:p>
+          <a:p>
+            <a:endParaRPr lang="fr-FR" sz="2800" dirty="0">
+              <a:latin typeface="Times New Roman" panose="02020603050405020304" pitchFamily="18" charset="0"/>
+              <a:cs typeface="Times New Roman" panose="02020603050405020304" pitchFamily="18" charset="0"/>
+            </a:endParaRPr>
+          </a:p>
+          <a:p>
+            <a:r>
+              <a:rPr lang="fr-FR" sz="3600" dirty="0">
+                <a:latin typeface="Times New Roman" panose="02020603050405020304" pitchFamily="18" charset="0"/>
+                <a:cs typeface="Times New Roman" panose="02020603050405020304" pitchFamily="18" charset="0"/>
+              </a:rPr>
+              <a:t>Point de rosée: la formule de Magnus</a:t>
+            </a:r>
+          </a:p>
+          <a:p>
             <a:r>
               <a:rPr lang="fr-FR" sz="2800" dirty="0">
                 <a:latin typeface="Times New Roman" panose="02020603050405020304" pitchFamily="18" charset="0"/>
                 <a:cs typeface="Times New Roman" panose="02020603050405020304" pitchFamily="18" charset="0"/>
               </a:rPr>
-              <a:t>Utilisation d’un transistor MOSFET :</a:t>
+              <a:t>-Calcul de la température de condensation</a:t>
+            </a:r>
+          </a:p>
+          <a:p>
+            <a:r>
+              <a:rPr lang="fr-FR" sz="2800" dirty="0">
+                <a:latin typeface="Times New Roman" panose="02020603050405020304" pitchFamily="18" charset="0"/>
+                <a:cs typeface="Times New Roman" panose="02020603050405020304" pitchFamily="18" charset="0"/>
+              </a:rPr>
+              <a:t>-Avertit l’utilisateur dès le franchissement du point de rosée</a:t>
+            </a:r>
+          </a:p>
+          <a:p>
+            <a:r>
+              <a:rPr lang="fr-FR" sz="2800" dirty="0">
+                <a:latin typeface="Times New Roman" panose="02020603050405020304" pitchFamily="18" charset="0"/>
+                <a:cs typeface="Times New Roman" panose="02020603050405020304" pitchFamily="18" charset="0"/>
+              </a:rPr>
+              <a:t>-nécessite un capteur hygrométrique + thermistance</a:t>
             </a:r>
           </a:p>
           <a:p>
@@ -7336,72 +6991,95 @@
             </a:endParaRPr>
           </a:p>
           <a:p>
+            <a:r>
+              <a:rPr lang="fr-FR" sz="3600" dirty="0">
+                <a:latin typeface="Times New Roman" panose="02020603050405020304" pitchFamily="18" charset="0"/>
+                <a:cs typeface="Times New Roman" panose="02020603050405020304" pitchFamily="18" charset="0"/>
+              </a:rPr>
+              <a:t>Mesure de la température/ humidités : Le capteur AM2023</a:t>
+            </a:r>
+          </a:p>
+          <a:p>
+            <a:r>
+              <a:rPr lang="fr-FR" sz="2800" dirty="0">
+                <a:latin typeface="Times New Roman" panose="02020603050405020304" pitchFamily="18" charset="0"/>
+                <a:cs typeface="Times New Roman" panose="02020603050405020304" pitchFamily="18" charset="0"/>
+              </a:rPr>
+              <a:t>-Combine un capteur de température et d’humidité</a:t>
+            </a:r>
+          </a:p>
+          <a:p>
+            <a:r>
+              <a:rPr lang="fr-FR" sz="2800" dirty="0">
+                <a:latin typeface="Times New Roman" panose="02020603050405020304" pitchFamily="18" charset="0"/>
+                <a:cs typeface="Times New Roman" panose="02020603050405020304" pitchFamily="18" charset="0"/>
+              </a:rPr>
+              <a:t>-Mesure précise a 0,1°</a:t>
+            </a:r>
+          </a:p>
+          <a:p>
+            <a:r>
+              <a:rPr lang="fr-FR" sz="2800" dirty="0">
+                <a:latin typeface="Times New Roman" panose="02020603050405020304" pitchFamily="18" charset="0"/>
+                <a:cs typeface="Times New Roman" panose="02020603050405020304" pitchFamily="18" charset="0"/>
+              </a:rPr>
+              <a:t>-faible fréquence d’envoi 0,5 Hz</a:t>
+            </a:r>
+          </a:p>
+          <a:p>
             <a:endParaRPr lang="fr-FR" sz="2800" dirty="0">
               <a:latin typeface="Times New Roman" panose="02020603050405020304" pitchFamily="18" charset="0"/>
               <a:cs typeface="Times New Roman" panose="02020603050405020304" pitchFamily="18" charset="0"/>
             </a:endParaRPr>
           </a:p>
           <a:p>
-            <a:r>
-              <a:rPr lang="fr-FR" sz="2800" dirty="0">
-                <a:latin typeface="Times New Roman" panose="02020603050405020304" pitchFamily="18" charset="0"/>
-                <a:cs typeface="Times New Roman" panose="02020603050405020304" pitchFamily="18" charset="0"/>
-              </a:rPr>
-              <a:t>Effet de </a:t>
-            </a:r>
-            <a:r>
-              <a:rPr lang="fr-FR" sz="2800" dirty="0" err="1">
-                <a:latin typeface="Times New Roman" panose="02020603050405020304" pitchFamily="18" charset="0"/>
-                <a:cs typeface="Times New Roman" panose="02020603050405020304" pitchFamily="18" charset="0"/>
-              </a:rPr>
-              <a:t>peltier</a:t>
-            </a:r>
-            <a:r>
-              <a:rPr lang="fr-FR" sz="2800" dirty="0">
-                <a:latin typeface="Times New Roman" panose="02020603050405020304" pitchFamily="18" charset="0"/>
-                <a:cs typeface="Times New Roman" panose="02020603050405020304" pitchFamily="18" charset="0"/>
-              </a:rPr>
-              <a:t>:</a:t>
-            </a:r>
-          </a:p>
-          <a:p>
             <a:endParaRPr lang="fr-FR" sz="2800" dirty="0">
               <a:latin typeface="Times New Roman" panose="02020603050405020304" pitchFamily="18" charset="0"/>
               <a:cs typeface="Times New Roman" panose="02020603050405020304" pitchFamily="18" charset="0"/>
             </a:endParaRPr>
           </a:p>
-          <a:p>
-            <a:endParaRPr lang="fr-FR" sz="2800" dirty="0">
-              <a:latin typeface="Times New Roman" panose="02020603050405020304" pitchFamily="18" charset="0"/>
-              <a:cs typeface="Times New Roman" panose="02020603050405020304" pitchFamily="18" charset="0"/>
-            </a:endParaRPr>
-          </a:p>
-          <a:p>
-            <a:endParaRPr lang="fr-FR" sz="2800" dirty="0">
-              <a:latin typeface="Times New Roman" panose="02020603050405020304" pitchFamily="18" charset="0"/>
-              <a:cs typeface="Times New Roman" panose="02020603050405020304" pitchFamily="18" charset="0"/>
-            </a:endParaRPr>
-          </a:p>
-          <a:p>
-            <a:r>
-              <a:rPr lang="fr-FR" sz="2800" dirty="0">
+        </p:txBody>
+      </p:sp>
+      <p:sp>
+        <p:nvSpPr>
+          <p:cNvPr id="9" name="ZoneTexte 8">
+            <a:extLst>
+              <a:ext uri="{FF2B5EF4-FFF2-40B4-BE49-F238E27FC236}">
+                <a16:creationId xmlns:a16="http://schemas.microsoft.com/office/drawing/2014/main" id="{7AED80F0-E728-472F-BCCE-89DED0FB68FC}"/>
+              </a:ext>
+            </a:extLst>
+          </p:cNvPr>
+          <p:cNvSpPr txBox="1"/>
+          <p:nvPr/>
+        </p:nvSpPr>
+        <p:spPr>
+          <a:xfrm>
+            <a:off x="21722533" y="5346189"/>
+            <a:ext cx="20200240" cy="707886"/>
+          </a:xfrm>
+          <a:prstGeom prst="rect">
+            <a:avLst/>
+          </a:prstGeom>
+          <a:noFill/>
+        </p:spPr>
+        <p:txBody>
+          <a:bodyPr wrap="square" rtlCol="0">
+            <a:spAutoFit/>
+          </a:bodyPr>
+          <a:lstStyle/>
+          <a:p>
+            <a:r>
+              <a:rPr lang="fr-FR" sz="3960" dirty="0">
+                <a:solidFill>
+                  <a:schemeClr val="bg2">
+                    <a:lumMod val="25000"/>
+                  </a:schemeClr>
+                </a:solidFill>
                 <a:latin typeface="Times New Roman" panose="02020603050405020304" pitchFamily="18" charset="0"/>
                 <a:cs typeface="Times New Roman" panose="02020603050405020304" pitchFamily="18" charset="0"/>
               </a:rPr>
-              <a:t>Point de rosée:</a:t>
-            </a:r>
-          </a:p>
-          <a:p>
-            <a:endParaRPr lang="fr-FR" sz="2800" dirty="0">
-              <a:latin typeface="Times New Roman" panose="02020603050405020304" pitchFamily="18" charset="0"/>
-              <a:cs typeface="Times New Roman" panose="02020603050405020304" pitchFamily="18" charset="0"/>
-            </a:endParaRPr>
-          </a:p>
-          <a:p>
-            <a:endParaRPr lang="fr-FR" sz="2800" dirty="0">
-              <a:latin typeface="Times New Roman" panose="02020603050405020304" pitchFamily="18" charset="0"/>
-              <a:cs typeface="Times New Roman" panose="02020603050405020304" pitchFamily="18" charset="0"/>
-            </a:endParaRPr>
+              <a:t>L’interface java</a:t>
+            </a:r>
           </a:p>
         </p:txBody>
       </p:sp>

--- a/Poster_Pimpmyfridge.pptx
+++ b/Poster_Pimpmyfridge.pptx
@@ -260,7 +260,7 @@
             <a:fld id="{0158C5BC-9A70-462C-B28D-9600239EAC64}" type="datetimeFigureOut">
               <a:rPr lang="en-US" smtClean="0"/>
               <a:pPr/>
-              <a:t>11/24/2017</a:t>
+              <a:t>11/26/2017</a:t>
             </a:fld>
             <a:endParaRPr lang="en-US"/>
           </a:p>
@@ -427,7 +427,7 @@
             <a:fld id="{E6CC2317-6751-4CD4-9995-8782DD78E936}" type="datetimeFigureOut">
               <a:rPr lang="en-US" smtClean="0"/>
               <a:pPr/>
-              <a:t>11/24/2017</a:t>
+              <a:t>11/26/2017</a:t>
             </a:fld>
             <a:endParaRPr lang="en-US" dirty="0"/>
           </a:p>
@@ -4450,7 +4450,7 @@
               <a:graphicData uri="http://schemas.openxmlformats.org/presentationml/2006/ole">
                 <mc:AlternateContent xmlns:mc="http://schemas.openxmlformats.org/markup-compatibility/2006">
                   <mc:Choice xmlns:v="urn:schemas-microsoft-com:vml" Requires="v">
-                    <p:oleObj spid="_x0000_s2174" name="Image" r:id="rId8" imgW="1828440" imgH="1117440" progId="Photoshop.Image.13">
+                    <p:oleObj spid="_x0000_s2190" name="Image" r:id="rId8" imgW="1828440" imgH="1117440" progId="Photoshop.Image.13">
                       <p:embed/>
                     </p:oleObj>
                   </mc:Choice>
@@ -4507,7 +4507,7 @@
               <a:graphicData uri="http://schemas.openxmlformats.org/presentationml/2006/ole">
                 <mc:AlternateContent xmlns:mc="http://schemas.openxmlformats.org/markup-compatibility/2006">
                   <mc:Choice xmlns:v="urn:schemas-microsoft-com:vml" Requires="v">
-                    <p:oleObj spid="_x0000_s2175" name="Image" r:id="rId10" imgW="1828440" imgH="1117440" progId="Photoshop.Image.13">
+                    <p:oleObj spid="_x0000_s2191" name="Image" r:id="rId10" imgW="1828440" imgH="1117440" progId="Photoshop.Image.13">
                       <p:embed/>
                     </p:oleObj>
                   </mc:Choice>
@@ -5642,7 +5642,7 @@
             <a:graphicData uri="http://schemas.openxmlformats.org/presentationml/2006/ole">
               <mc:AlternateContent xmlns:mc="http://schemas.openxmlformats.org/markup-compatibility/2006">
                 <mc:Choice xmlns:v="urn:schemas-microsoft-com:vml" Requires="v">
-                  <p:oleObj spid="_x0000_s2176" name="Image" r:id="rId12" imgW="4571280" imgH="1688760" progId="Photoshop.Image.13">
+                  <p:oleObj spid="_x0000_s2192" name="Image" r:id="rId12" imgW="4571280" imgH="1688760" progId="Photoshop.Image.13">
                     <p:embed/>
                   </p:oleObj>
                 </mc:Choice>
@@ -5726,7 +5726,7 @@
             <a:graphicData uri="http://schemas.openxmlformats.org/presentationml/2006/ole">
               <mc:AlternateContent xmlns:mc="http://schemas.openxmlformats.org/markup-compatibility/2006">
                 <mc:Choice xmlns:v="urn:schemas-microsoft-com:vml" Requires="v">
-                  <p:oleObj spid="_x0000_s2177" name="Image" r:id="rId15" imgW="1574280" imgH="1053720" progId="Photoshop.Image.13">
+                  <p:oleObj spid="_x0000_s2193" name="Image" r:id="rId15" imgW="1574280" imgH="1053720" progId="Photoshop.Image.13">
                     <p:embed/>
                   </p:oleObj>
                 </mc:Choice>
@@ -6547,56 +6547,13 @@
           <a:lstStyle/>
           <a:p>
             <a:r>
-              <a:rPr lang="en-US" dirty="0" err="1"/>
+              <a:rPr lang="fr-FR" dirty="0"/>
               <a:t>Résultats</a:t>
             </a:r>
             <a:r>
               <a:rPr lang="en-US" dirty="0"/>
               <a:t>:</a:t>
             </a:r>
-          </a:p>
-        </p:txBody>
-      </p:sp>
-      <p:sp>
-        <p:nvSpPr>
-          <p:cNvPr id="341" name="Text Placeholder 340"/>
-          <p:cNvSpPr>
-            <a:spLocks noGrp="1"/>
-          </p:cNvSpPr>
-          <p:nvPr>
-            <p:ph type="body" sz="quarter" idx="27"/>
-          </p:nvPr>
-        </p:nvSpPr>
-        <p:spPr/>
-        <p:txBody>
-          <a:bodyPr/>
-          <a:lstStyle/>
-          <a:p>
-            <a:endParaRPr lang="en-US" dirty="0"/>
-          </a:p>
-        </p:txBody>
-      </p:sp>
-      <p:sp>
-        <p:nvSpPr>
-          <p:cNvPr id="342" name="Text Placeholder 341"/>
-          <p:cNvSpPr>
-            <a:spLocks noGrp="1"/>
-          </p:cNvSpPr>
-          <p:nvPr>
-            <p:ph type="body" sz="quarter" idx="28"/>
-          </p:nvPr>
-        </p:nvSpPr>
-        <p:spPr>
-          <a:xfrm>
-            <a:off x="21699133" y="13648379"/>
-            <a:ext cx="20202431" cy="1061396"/>
-          </a:xfrm>
-        </p:spPr>
-        <p:txBody>
-          <a:bodyPr/>
-          <a:lstStyle/>
-          <a:p>
-            <a:endParaRPr lang="en-US" dirty="0"/>
           </a:p>
         </p:txBody>
       </p:sp>
@@ -6876,7 +6833,7 @@
         <p:spPr>
           <a:xfrm>
             <a:off x="1190847" y="19925415"/>
-            <a:ext cx="18961745" cy="8710077"/>
+            <a:ext cx="18961745" cy="7417415"/>
           </a:xfrm>
           <a:prstGeom prst="rect">
             <a:avLst/>
@@ -6903,7 +6860,7 @@
                 <a:latin typeface="Times New Roman" panose="02020603050405020304" pitchFamily="18" charset="0"/>
                 <a:cs typeface="Times New Roman" panose="02020603050405020304" pitchFamily="18" charset="0"/>
               </a:rPr>
-              <a:t>-Régulation de température (plage de température de 15 à 25)</a:t>
+              <a:t>-Tension de source dépendante de la tension de grille</a:t>
             </a:r>
           </a:p>
           <a:p>
@@ -6912,29 +6869,8 @@
                 <a:latin typeface="Times New Roman" panose="02020603050405020304" pitchFamily="18" charset="0"/>
                 <a:cs typeface="Times New Roman" panose="02020603050405020304" pitchFamily="18" charset="0"/>
               </a:rPr>
-              <a:t>-</a:t>
-            </a:r>
-          </a:p>
-          <a:p>
-            <a:endParaRPr lang="fr-FR" sz="2800" dirty="0">
-              <a:latin typeface="Times New Roman" panose="02020603050405020304" pitchFamily="18" charset="0"/>
-              <a:cs typeface="Times New Roman" panose="02020603050405020304" pitchFamily="18" charset="0"/>
-            </a:endParaRPr>
-          </a:p>
-          <a:p>
-            <a:r>
-              <a:rPr lang="fr-FR" sz="2800" dirty="0">
-                <a:latin typeface="Times New Roman" panose="02020603050405020304" pitchFamily="18" charset="0"/>
-                <a:cs typeface="Times New Roman" panose="02020603050405020304" pitchFamily="18" charset="0"/>
-              </a:rPr>
-              <a:t>Effet Peltier:</a:t>
-            </a:r>
-          </a:p>
-          <a:p>
-            <a:endParaRPr lang="fr-FR" sz="2800" dirty="0">
-              <a:latin typeface="Times New Roman" panose="02020603050405020304" pitchFamily="18" charset="0"/>
-              <a:cs typeface="Times New Roman" panose="02020603050405020304" pitchFamily="18" charset="0"/>
-            </a:endParaRPr>
+              <a:t>-Régulation de température (plage de tension)</a:t>
+            </a:r>
           </a:p>
           <a:p>
             <a:endParaRPr lang="fr-FR" sz="2800" dirty="0">
@@ -7080,6 +7016,143 @@
               </a:rPr>
               <a:t>L’interface java</a:t>
             </a:r>
+          </a:p>
+        </p:txBody>
+      </p:sp>
+      <p:sp>
+        <p:nvSpPr>
+          <p:cNvPr id="3" name="ZoneTexte 2">
+            <a:extLst>
+              <a:ext uri="{FF2B5EF4-FFF2-40B4-BE49-F238E27FC236}">
+                <a16:creationId xmlns:a16="http://schemas.microsoft.com/office/drawing/2014/main" id="{4FBDF222-286F-468B-960E-949CEA59BBCD}"/>
+              </a:ext>
+            </a:extLst>
+          </p:cNvPr>
+          <p:cNvSpPr txBox="1"/>
+          <p:nvPr/>
+        </p:nvSpPr>
+        <p:spPr>
+          <a:xfrm>
+            <a:off x="21738194" y="10291565"/>
+            <a:ext cx="20223640" cy="1311128"/>
+          </a:xfrm>
+          <a:prstGeom prst="rect">
+            <a:avLst/>
+          </a:prstGeom>
+          <a:noFill/>
+        </p:spPr>
+        <p:txBody>
+          <a:bodyPr wrap="square" rtlCol="0" anchor="ctr">
+            <a:spAutoFit/>
+          </a:bodyPr>
+          <a:lstStyle/>
+          <a:p>
+            <a:pPr marL="571500" indent="-571500">
+              <a:buFontTx/>
+              <a:buChar char="-"/>
+            </a:pPr>
+            <a:r>
+              <a:rPr lang="fr-FR" sz="3960" dirty="0">
+                <a:solidFill>
+                  <a:schemeClr val="bg2">
+                    <a:lumMod val="25000"/>
+                  </a:schemeClr>
+                </a:solidFill>
+                <a:latin typeface="Times New Roman" panose="02020603050405020304" pitchFamily="18" charset="0"/>
+                <a:cs typeface="Times New Roman" panose="02020603050405020304" pitchFamily="18" charset="0"/>
+              </a:rPr>
+              <a:t>Affichage des températures /point de rosée toute les 2 minutes</a:t>
+            </a:r>
+          </a:p>
+          <a:p>
+            <a:pPr marL="571500" indent="-571500">
+              <a:buFontTx/>
+              <a:buChar char="-"/>
+            </a:pPr>
+            <a:r>
+              <a:rPr lang="fr-FR" sz="3960" dirty="0">
+                <a:solidFill>
+                  <a:schemeClr val="bg2">
+                    <a:lumMod val="25000"/>
+                  </a:schemeClr>
+                </a:solidFill>
+                <a:latin typeface="Times New Roman" panose="02020603050405020304" pitchFamily="18" charset="0"/>
+                <a:cs typeface="Times New Roman" panose="02020603050405020304" pitchFamily="18" charset="0"/>
+              </a:rPr>
+              <a:t>Transfert de consigne sur une plage comprise entre 15 et 25°</a:t>
+            </a:r>
+          </a:p>
+        </p:txBody>
+      </p:sp>
+      <p:sp>
+        <p:nvSpPr>
+          <p:cNvPr id="4" name="ZoneTexte 3">
+            <a:extLst>
+              <a:ext uri="{FF2B5EF4-FFF2-40B4-BE49-F238E27FC236}">
+                <a16:creationId xmlns:a16="http://schemas.microsoft.com/office/drawing/2014/main" id="{BFEC86D8-6C6B-4F16-9FBB-EFA52DCD483A}"/>
+              </a:ext>
+            </a:extLst>
+          </p:cNvPr>
+          <p:cNvSpPr txBox="1"/>
+          <p:nvPr/>
+        </p:nvSpPr>
+        <p:spPr>
+          <a:xfrm>
+            <a:off x="31677429" y="17532305"/>
+            <a:ext cx="2688939" cy="2677656"/>
+          </a:xfrm>
+          <a:prstGeom prst="rect">
+            <a:avLst/>
+          </a:prstGeom>
+          <a:noFill/>
+        </p:spPr>
+        <p:txBody>
+          <a:bodyPr wrap="square" rtlCol="0">
+            <a:spAutoFit/>
+          </a:bodyPr>
+          <a:lstStyle/>
+          <a:p>
+            <a:r>
+              <a:rPr lang="fr-FR" sz="2800" dirty="0">
+                <a:latin typeface="Times New Roman" panose="02020603050405020304" pitchFamily="18" charset="0"/>
+                <a:cs typeface="Times New Roman" panose="02020603050405020304" pitchFamily="18" charset="0"/>
+              </a:rPr>
+              <a:t>Insérer photo interface Java</a:t>
+            </a:r>
+          </a:p>
+          <a:p>
+            <a:r>
+              <a:rPr lang="fr-FR" sz="2800" dirty="0">
+                <a:latin typeface="Times New Roman" panose="02020603050405020304" pitchFamily="18" charset="0"/>
+                <a:cs typeface="Times New Roman" panose="02020603050405020304" pitchFamily="18" charset="0"/>
+                <a:sym typeface="Wingdings" panose="05000000000000000000" pitchFamily="2" charset="2"/>
+              </a:rPr>
+              <a:t></a:t>
+            </a:r>
+          </a:p>
+          <a:p>
+            <a:r>
+              <a:rPr lang="fr-FR" sz="2800" dirty="0">
+                <a:latin typeface="Times New Roman" panose="02020603050405020304" pitchFamily="18" charset="0"/>
+                <a:cs typeface="Times New Roman" panose="02020603050405020304" pitchFamily="18" charset="0"/>
+                <a:sym typeface="Wingdings" panose="05000000000000000000" pitchFamily="2" charset="2"/>
+              </a:rPr>
+              <a:t>Insérer photo montage</a:t>
+            </a:r>
+          </a:p>
+          <a:p>
+            <a:r>
+              <a:rPr lang="fr-FR" sz="2800">
+                <a:latin typeface="Times New Roman" panose="02020603050405020304" pitchFamily="18" charset="0"/>
+                <a:cs typeface="Times New Roman" panose="02020603050405020304" pitchFamily="18" charset="0"/>
+                <a:sym typeface="Wingdings" panose="05000000000000000000" pitchFamily="2" charset="2"/>
+              </a:rPr>
+              <a:t> &gt;</a:t>
+            </a:r>
+            <a:endParaRPr lang="fr-FR" sz="2800" dirty="0">
+              <a:latin typeface="Times New Roman" panose="02020603050405020304" pitchFamily="18" charset="0"/>
+              <a:cs typeface="Times New Roman" panose="02020603050405020304" pitchFamily="18" charset="0"/>
+            </a:endParaRPr>
           </a:p>
         </p:txBody>
       </p:sp>

--- a/Poster_Pimpmyfridge.pptx
+++ b/Poster_Pimpmyfridge.pptx
@@ -260,7 +260,7 @@
             <a:fld id="{0158C5BC-9A70-462C-B28D-9600239EAC64}" type="datetimeFigureOut">
               <a:rPr lang="en-US" smtClean="0"/>
               <a:pPr/>
-              <a:t>11/26/2017</a:t>
+              <a:t>11/27/2017</a:t>
             </a:fld>
             <a:endParaRPr lang="en-US"/>
           </a:p>
@@ -427,7 +427,7 @@
             <a:fld id="{E6CC2317-6751-4CD4-9995-8782DD78E936}" type="datetimeFigureOut">
               <a:rPr lang="en-US" smtClean="0"/>
               <a:pPr/>
-              <a:t>11/26/2017</a:t>
+              <a:t>11/27/2017</a:t>
             </a:fld>
             <a:endParaRPr lang="en-US" dirty="0"/>
           </a:p>
@@ -4450,7 +4450,7 @@
               <a:graphicData uri="http://schemas.openxmlformats.org/presentationml/2006/ole">
                 <mc:AlternateContent xmlns:mc="http://schemas.openxmlformats.org/markup-compatibility/2006">
                   <mc:Choice xmlns:v="urn:schemas-microsoft-com:vml" Requires="v">
-                    <p:oleObj spid="_x0000_s2190" name="Image" r:id="rId8" imgW="1828440" imgH="1117440" progId="Photoshop.Image.13">
+                    <p:oleObj spid="_x0000_s2222" name="Image" r:id="rId8" imgW="1828440" imgH="1117440" progId="Photoshop.Image.13">
                       <p:embed/>
                     </p:oleObj>
                   </mc:Choice>
@@ -4507,7 +4507,7 @@
               <a:graphicData uri="http://schemas.openxmlformats.org/presentationml/2006/ole">
                 <mc:AlternateContent xmlns:mc="http://schemas.openxmlformats.org/markup-compatibility/2006">
                   <mc:Choice xmlns:v="urn:schemas-microsoft-com:vml" Requires="v">
-                    <p:oleObj spid="_x0000_s2191" name="Image" r:id="rId10" imgW="1828440" imgH="1117440" progId="Photoshop.Image.13">
+                    <p:oleObj spid="_x0000_s2223" name="Image" r:id="rId10" imgW="1828440" imgH="1117440" progId="Photoshop.Image.13">
                       <p:embed/>
                     </p:oleObj>
                   </mc:Choice>
@@ -5642,7 +5642,7 @@
             <a:graphicData uri="http://schemas.openxmlformats.org/presentationml/2006/ole">
               <mc:AlternateContent xmlns:mc="http://schemas.openxmlformats.org/markup-compatibility/2006">
                 <mc:Choice xmlns:v="urn:schemas-microsoft-com:vml" Requires="v">
-                  <p:oleObj spid="_x0000_s2192" name="Image" r:id="rId12" imgW="4571280" imgH="1688760" progId="Photoshop.Image.13">
+                  <p:oleObj spid="_x0000_s2224" name="Image" r:id="rId12" imgW="4571280" imgH="1688760" progId="Photoshop.Image.13">
                     <p:embed/>
                   </p:oleObj>
                 </mc:Choice>
@@ -5726,7 +5726,7 @@
             <a:graphicData uri="http://schemas.openxmlformats.org/presentationml/2006/ole">
               <mc:AlternateContent xmlns:mc="http://schemas.openxmlformats.org/markup-compatibility/2006">
                 <mc:Choice xmlns:v="urn:schemas-microsoft-com:vml" Requires="v">
-                  <p:oleObj spid="_x0000_s2193" name="Image" r:id="rId15" imgW="1574280" imgH="1053720" progId="Photoshop.Image.13">
+                  <p:oleObj spid="_x0000_s2225" name="Image" r:id="rId15" imgW="1574280" imgH="1053720" progId="Photoshop.Image.13">
                     <p:embed/>
                   </p:oleObj>
                 </mc:Choice>
@@ -6492,7 +6492,12 @@
             <p:ph type="body" sz="quarter" idx="11"/>
           </p:nvPr>
         </p:nvSpPr>
-        <p:spPr/>
+        <p:spPr>
+          <a:xfrm>
+            <a:off x="899492" y="4395648"/>
+            <a:ext cx="20200500" cy="1029417"/>
+          </a:xfrm>
+        </p:spPr>
         <p:txBody>
           <a:bodyPr/>
           <a:lstStyle/>
@@ -6514,7 +6519,12 @@
             <p:ph type="body" sz="quarter" idx="20"/>
           </p:nvPr>
         </p:nvSpPr>
-        <p:spPr/>
+        <p:spPr>
+          <a:xfrm>
+            <a:off x="917857" y="9493529"/>
+            <a:ext cx="20205437" cy="1029417"/>
+          </a:xfrm>
+        </p:spPr>
         <p:txBody>
           <a:bodyPr/>
           <a:lstStyle/>
@@ -6538,7 +6548,7 @@
         </p:nvSpPr>
         <p:spPr>
           <a:xfrm>
-            <a:off x="21699133" y="9182287"/>
+            <a:off x="21722533" y="10320607"/>
             <a:ext cx="20200240" cy="1029417"/>
           </a:xfrm>
         </p:spPr>
@@ -6567,7 +6577,12 @@
             <p:ph type="body" sz="quarter" idx="29"/>
           </p:nvPr>
         </p:nvSpPr>
-        <p:spPr/>
+        <p:spPr>
+          <a:xfrm>
+            <a:off x="21800655" y="23024206"/>
+            <a:ext cx="20184579" cy="1029417"/>
+          </a:xfrm>
+        </p:spPr>
         <p:txBody>
           <a:bodyPr/>
           <a:lstStyle/>
@@ -6591,15 +6606,98 @@
         </p:nvSpPr>
         <p:spPr>
           <a:xfrm>
-            <a:off x="21706875" y="24192709"/>
-            <a:ext cx="20194689" cy="1061396"/>
+            <a:off x="21691217" y="23978313"/>
+            <a:ext cx="20194689" cy="4934700"/>
           </a:xfrm>
         </p:spPr>
         <p:txBody>
-          <a:bodyPr/>
+          <a:bodyPr numCol="2"/>
           <a:lstStyle/>
           <a:p>
-            <a:endParaRPr lang="en-US" dirty="0"/>
+            <a:pPr marL="571500" indent="-571500">
+              <a:buFontTx/>
+              <a:buChar char="-"/>
+            </a:pPr>
+            <a:r>
+              <a:rPr lang="fr-FR" dirty="0"/>
+              <a:t>Acquisition de connaissances (et rappel de connaissances)</a:t>
+            </a:r>
+          </a:p>
+          <a:p>
+            <a:pPr marL="2628849" lvl="1" indent="-571500">
+              <a:buFontTx/>
+              <a:buChar char="-"/>
+            </a:pPr>
+            <a:r>
+              <a:rPr lang="fr-FR" dirty="0">
+                <a:latin typeface="Times New Roman" panose="02020603050405020304" pitchFamily="18" charset="0"/>
+                <a:cs typeface="Times New Roman" panose="02020603050405020304" pitchFamily="18" charset="0"/>
+              </a:rPr>
+              <a:t>Thermodynamique</a:t>
+            </a:r>
+          </a:p>
+          <a:p>
+            <a:pPr marL="2628849" lvl="1" indent="-571500">
+              <a:buFontTx/>
+              <a:buChar char="-"/>
+            </a:pPr>
+            <a:r>
+              <a:rPr lang="fr-FR" dirty="0">
+                <a:latin typeface="Times New Roman" panose="02020603050405020304" pitchFamily="18" charset="0"/>
+                <a:cs typeface="Times New Roman" panose="02020603050405020304" pitchFamily="18" charset="0"/>
+              </a:rPr>
+              <a:t>Mesure physique (</a:t>
+            </a:r>
+            <a:r>
+              <a:rPr lang="fr-FR" dirty="0" err="1">
+                <a:latin typeface="Times New Roman" panose="02020603050405020304" pitchFamily="18" charset="0"/>
+                <a:cs typeface="Times New Roman" panose="02020603050405020304" pitchFamily="18" charset="0"/>
+              </a:rPr>
+              <a:t>arduino</a:t>
+            </a:r>
+            <a:r>
+              <a:rPr lang="fr-FR" dirty="0">
+                <a:latin typeface="Times New Roman" panose="02020603050405020304" pitchFamily="18" charset="0"/>
+                <a:cs typeface="Times New Roman" panose="02020603050405020304" pitchFamily="18" charset="0"/>
+              </a:rPr>
+              <a:t>)</a:t>
+            </a:r>
+          </a:p>
+          <a:p>
+            <a:pPr marL="2628849" lvl="1" indent="-571500">
+              <a:buFontTx/>
+              <a:buChar char="-"/>
+            </a:pPr>
+            <a:r>
+              <a:rPr lang="fr-FR" dirty="0">
+                <a:latin typeface="Times New Roman" panose="02020603050405020304" pitchFamily="18" charset="0"/>
+                <a:cs typeface="Times New Roman" panose="02020603050405020304" pitchFamily="18" charset="0"/>
+              </a:rPr>
+              <a:t>Électronique</a:t>
+            </a:r>
+          </a:p>
+          <a:p>
+            <a:pPr marL="2628849" lvl="1" indent="-571500">
+              <a:buFontTx/>
+              <a:buChar char="-"/>
+            </a:pPr>
+            <a:r>
+              <a:rPr lang="fr-FR" dirty="0">
+                <a:latin typeface="Times New Roman" panose="02020603050405020304" pitchFamily="18" charset="0"/>
+                <a:cs typeface="Times New Roman" panose="02020603050405020304" pitchFamily="18" charset="0"/>
+              </a:rPr>
+              <a:t>Java (interface)</a:t>
+            </a:r>
+          </a:p>
+          <a:p>
+            <a:pPr marL="2628849" lvl="1" indent="-571500">
+              <a:buFontTx/>
+              <a:buChar char="-"/>
+            </a:pPr>
+            <a:endParaRPr lang="fr-FR" dirty="0">
+              <a:latin typeface="Times New Roman" panose="02020603050405020304" pitchFamily="18" charset="0"/>
+              <a:cs typeface="Times New Roman" panose="02020603050405020304" pitchFamily="18" charset="0"/>
+            </a:endParaRPr>
           </a:p>
         </p:txBody>
       </p:sp>
@@ -6615,7 +6713,7 @@
         </p:nvSpPr>
         <p:spPr>
           <a:xfrm>
-            <a:off x="881789" y="13633726"/>
+            <a:off x="900157" y="10287629"/>
             <a:ext cx="20218202" cy="3254689"/>
           </a:xfrm>
         </p:spPr>
@@ -6789,7 +6887,7 @@
         </p:nvSpPr>
         <p:spPr>
           <a:xfrm>
-            <a:off x="644310" y="18266966"/>
+            <a:off x="863028" y="18085189"/>
             <a:ext cx="20218202" cy="938719"/>
           </a:xfrm>
           <a:prstGeom prst="rect">
@@ -6832,8 +6930,8 @@
         </p:nvSpPr>
         <p:spPr>
           <a:xfrm>
-            <a:off x="1190847" y="19925415"/>
-            <a:ext cx="18961745" cy="7417415"/>
+            <a:off x="1391197" y="19543560"/>
+            <a:ext cx="18961745" cy="8894743"/>
           </a:xfrm>
           <a:prstGeom prst="rect">
             <a:avLst/>
@@ -6848,6 +6946,11 @@
           <a:p>
             <a:r>
               <a:rPr lang="fr-FR" sz="4000" dirty="0">
+                <a:solidFill>
+                  <a:schemeClr val="bg2">
+                    <a:lumMod val="25000"/>
+                  </a:schemeClr>
+                </a:solidFill>
                 <a:latin typeface="Times New Roman" panose="02020603050405020304" pitchFamily="18" charset="0"/>
                 <a:cs typeface="Times New Roman" panose="02020603050405020304" pitchFamily="18" charset="0"/>
               </a:rPr>
@@ -6856,7 +6959,12 @@
           </a:p>
           <a:p>
             <a:r>
-              <a:rPr lang="fr-FR" sz="2800" dirty="0">
+              <a:rPr lang="fr-FR" sz="3200" dirty="0">
+                <a:solidFill>
+                  <a:schemeClr val="bg2">
+                    <a:lumMod val="25000"/>
+                  </a:schemeClr>
+                </a:solidFill>
                 <a:latin typeface="Times New Roman" panose="02020603050405020304" pitchFamily="18" charset="0"/>
                 <a:cs typeface="Times New Roman" panose="02020603050405020304" pitchFamily="18" charset="0"/>
               </a:rPr>
@@ -6865,7 +6973,12 @@
           </a:p>
           <a:p>
             <a:r>
-              <a:rPr lang="fr-FR" sz="2800" dirty="0">
+              <a:rPr lang="fr-FR" sz="3200" dirty="0">
+                <a:solidFill>
+                  <a:schemeClr val="bg2">
+                    <a:lumMod val="25000"/>
+                  </a:schemeClr>
+                </a:solidFill>
                 <a:latin typeface="Times New Roman" panose="02020603050405020304" pitchFamily="18" charset="0"/>
                 <a:cs typeface="Times New Roman" panose="02020603050405020304" pitchFamily="18" charset="0"/>
               </a:rPr>
@@ -6874,12 +6987,22 @@
           </a:p>
           <a:p>
             <a:endParaRPr lang="fr-FR" sz="2800" dirty="0">
+              <a:solidFill>
+                <a:schemeClr val="bg2">
+                  <a:lumMod val="25000"/>
+                </a:schemeClr>
+              </a:solidFill>
               <a:latin typeface="Times New Roman" panose="02020603050405020304" pitchFamily="18" charset="0"/>
               <a:cs typeface="Times New Roman" panose="02020603050405020304" pitchFamily="18" charset="0"/>
             </a:endParaRPr>
           </a:p>
           <a:p>
             <a:endParaRPr lang="fr-FR" sz="2800" dirty="0">
+              <a:solidFill>
+                <a:schemeClr val="bg2">
+                  <a:lumMod val="25000"/>
+                </a:schemeClr>
+              </a:solidFill>
               <a:latin typeface="Times New Roman" panose="02020603050405020304" pitchFamily="18" charset="0"/>
               <a:cs typeface="Times New Roman" panose="02020603050405020304" pitchFamily="18" charset="0"/>
             </a:endParaRPr>
@@ -6887,6 +7010,11 @@
           <a:p>
             <a:r>
               <a:rPr lang="fr-FR" sz="3600" dirty="0">
+                <a:solidFill>
+                  <a:schemeClr val="bg2">
+                    <a:lumMod val="25000"/>
+                  </a:schemeClr>
+                </a:solidFill>
                 <a:latin typeface="Times New Roman" panose="02020603050405020304" pitchFamily="18" charset="0"/>
                 <a:cs typeface="Times New Roman" panose="02020603050405020304" pitchFamily="18" charset="0"/>
               </a:rPr>
@@ -6895,7 +7023,12 @@
           </a:p>
           <a:p>
             <a:r>
-              <a:rPr lang="fr-FR" sz="2800" dirty="0">
+              <a:rPr lang="fr-FR" sz="3200" dirty="0">
+                <a:solidFill>
+                  <a:schemeClr val="bg2">
+                    <a:lumMod val="25000"/>
+                  </a:schemeClr>
+                </a:solidFill>
                 <a:latin typeface="Times New Roman" panose="02020603050405020304" pitchFamily="18" charset="0"/>
                 <a:cs typeface="Times New Roman" panose="02020603050405020304" pitchFamily="18" charset="0"/>
               </a:rPr>
@@ -6904,16 +7037,40 @@
           </a:p>
           <a:p>
             <a:r>
-              <a:rPr lang="fr-FR" sz="2800" dirty="0">
+              <a:rPr lang="fr-FR" sz="3200" dirty="0">
+                <a:solidFill>
+                  <a:schemeClr val="bg2">
+                    <a:lumMod val="25000"/>
+                  </a:schemeClr>
+                </a:solidFill>
                 <a:latin typeface="Times New Roman" panose="02020603050405020304" pitchFamily="18" charset="0"/>
                 <a:cs typeface="Times New Roman" panose="02020603050405020304" pitchFamily="18" charset="0"/>
               </a:rPr>
-              <a:t>-Avertit l’utilisateur dès le franchissement du point de rosée</a:t>
-            </a:r>
-          </a:p>
-          <a:p>
-            <a:r>
-              <a:rPr lang="fr-FR" sz="2800" dirty="0">
+              <a:t>-Avertit l’utilisateur dès le franchissement du point de rosée </a:t>
+            </a:r>
+          </a:p>
+          <a:p>
+            <a:r>
+              <a:rPr lang="fr-FR" sz="3200" dirty="0">
+                <a:solidFill>
+                  <a:schemeClr val="bg2">
+                    <a:lumMod val="25000"/>
+                  </a:schemeClr>
+                </a:solidFill>
+                <a:latin typeface="Times New Roman" panose="02020603050405020304" pitchFamily="18" charset="0"/>
+                <a:cs typeface="Times New Roman" panose="02020603050405020304" pitchFamily="18" charset="0"/>
+              </a:rPr>
+              <a:t>(température d’apparition de la condensation en dessous)</a:t>
+            </a:r>
+          </a:p>
+          <a:p>
+            <a:r>
+              <a:rPr lang="fr-FR" sz="3200" dirty="0">
+                <a:solidFill>
+                  <a:schemeClr val="bg2">
+                    <a:lumMod val="25000"/>
+                  </a:schemeClr>
+                </a:solidFill>
                 <a:latin typeface="Times New Roman" panose="02020603050405020304" pitchFamily="18" charset="0"/>
                 <a:cs typeface="Times New Roman" panose="02020603050405020304" pitchFamily="18" charset="0"/>
               </a:rPr>
@@ -6922,6 +7079,11 @@
           </a:p>
           <a:p>
             <a:endParaRPr lang="fr-FR" sz="2800" dirty="0">
+              <a:solidFill>
+                <a:schemeClr val="bg2">
+                  <a:lumMod val="25000"/>
+                </a:schemeClr>
+              </a:solidFill>
               <a:latin typeface="Times New Roman" panose="02020603050405020304" pitchFamily="18" charset="0"/>
               <a:cs typeface="Times New Roman" panose="02020603050405020304" pitchFamily="18" charset="0"/>
             </a:endParaRPr>
@@ -6929,6 +7091,11 @@
           <a:p>
             <a:r>
               <a:rPr lang="fr-FR" sz="3600" dirty="0">
+                <a:solidFill>
+                  <a:schemeClr val="bg2">
+                    <a:lumMod val="25000"/>
+                  </a:schemeClr>
+                </a:solidFill>
                 <a:latin typeface="Times New Roman" panose="02020603050405020304" pitchFamily="18" charset="0"/>
                 <a:cs typeface="Times New Roman" panose="02020603050405020304" pitchFamily="18" charset="0"/>
               </a:rPr>
@@ -6937,7 +7104,12 @@
           </a:p>
           <a:p>
             <a:r>
-              <a:rPr lang="fr-FR" sz="2800" dirty="0">
+              <a:rPr lang="fr-FR" sz="3200" dirty="0">
+                <a:solidFill>
+                  <a:schemeClr val="bg2">
+                    <a:lumMod val="25000"/>
+                  </a:schemeClr>
+                </a:solidFill>
                 <a:latin typeface="Times New Roman" panose="02020603050405020304" pitchFamily="18" charset="0"/>
                 <a:cs typeface="Times New Roman" panose="02020603050405020304" pitchFamily="18" charset="0"/>
               </a:rPr>
@@ -6946,7 +7118,12 @@
           </a:p>
           <a:p>
             <a:r>
-              <a:rPr lang="fr-FR" sz="2800" dirty="0">
+              <a:rPr lang="fr-FR" sz="3200" dirty="0">
+                <a:solidFill>
+                  <a:schemeClr val="bg2">
+                    <a:lumMod val="25000"/>
+                  </a:schemeClr>
+                </a:solidFill>
                 <a:latin typeface="Times New Roman" panose="02020603050405020304" pitchFamily="18" charset="0"/>
                 <a:cs typeface="Times New Roman" panose="02020603050405020304" pitchFamily="18" charset="0"/>
               </a:rPr>
@@ -6955,7 +7132,12 @@
           </a:p>
           <a:p>
             <a:r>
-              <a:rPr lang="fr-FR" sz="2800" dirty="0">
+              <a:rPr lang="fr-FR" sz="3200" dirty="0">
+                <a:solidFill>
+                  <a:schemeClr val="bg2">
+                    <a:lumMod val="25000"/>
+                  </a:schemeClr>
+                </a:solidFill>
                 <a:latin typeface="Times New Roman" panose="02020603050405020304" pitchFamily="18" charset="0"/>
                 <a:cs typeface="Times New Roman" panose="02020603050405020304" pitchFamily="18" charset="0"/>
               </a:rPr>
@@ -6963,59 +7145,37 @@
             </a:r>
           </a:p>
           <a:p>
-            <a:endParaRPr lang="fr-FR" sz="2800" dirty="0">
+            <a:endParaRPr lang="fr-FR" sz="3200" dirty="0">
+              <a:solidFill>
+                <a:schemeClr val="bg2">
+                  <a:lumMod val="25000"/>
+                </a:schemeClr>
+              </a:solidFill>
               <a:latin typeface="Times New Roman" panose="02020603050405020304" pitchFamily="18" charset="0"/>
               <a:cs typeface="Times New Roman" panose="02020603050405020304" pitchFamily="18" charset="0"/>
             </a:endParaRPr>
           </a:p>
           <a:p>
             <a:endParaRPr lang="fr-FR" sz="2800" dirty="0">
+              <a:solidFill>
+                <a:schemeClr val="bg2">
+                  <a:lumMod val="25000"/>
+                </a:schemeClr>
+              </a:solidFill>
               <a:latin typeface="Times New Roman" panose="02020603050405020304" pitchFamily="18" charset="0"/>
               <a:cs typeface="Times New Roman" panose="02020603050405020304" pitchFamily="18" charset="0"/>
             </a:endParaRPr>
           </a:p>
-        </p:txBody>
-      </p:sp>
-      <p:sp>
-        <p:nvSpPr>
-          <p:cNvPr id="9" name="ZoneTexte 8">
-            <a:extLst>
-              <a:ext uri="{FF2B5EF4-FFF2-40B4-BE49-F238E27FC236}">
-                <a16:creationId xmlns:a16="http://schemas.microsoft.com/office/drawing/2014/main" id="{7AED80F0-E728-472F-BCCE-89DED0FB68FC}"/>
-              </a:ext>
-            </a:extLst>
-          </p:cNvPr>
-          <p:cNvSpPr txBox="1"/>
-          <p:nvPr/>
-        </p:nvSpPr>
-        <p:spPr>
-          <a:xfrm>
-            <a:off x="21722533" y="5346189"/>
-            <a:ext cx="20200240" cy="707886"/>
-          </a:xfrm>
-          <a:prstGeom prst="rect">
-            <a:avLst/>
-          </a:prstGeom>
-          <a:noFill/>
-        </p:spPr>
-        <p:txBody>
-          <a:bodyPr wrap="square" rtlCol="0">
-            <a:spAutoFit/>
-          </a:bodyPr>
-          <a:lstStyle/>
-          <a:p>
-            <a:r>
-              <a:rPr lang="fr-FR" sz="3960" dirty="0">
-                <a:solidFill>
-                  <a:schemeClr val="bg2">
-                    <a:lumMod val="25000"/>
-                  </a:schemeClr>
-                </a:solidFill>
-                <a:latin typeface="Times New Roman" panose="02020603050405020304" pitchFamily="18" charset="0"/>
-                <a:cs typeface="Times New Roman" panose="02020603050405020304" pitchFamily="18" charset="0"/>
-              </a:rPr>
-              <a:t>L’interface java</a:t>
-            </a:r>
+          <a:p>
+            <a:endParaRPr lang="fr-FR" sz="2800" dirty="0">
+              <a:solidFill>
+                <a:schemeClr val="bg2">
+                  <a:lumMod val="25000"/>
+                </a:schemeClr>
+              </a:solidFill>
+              <a:latin typeface="Times New Roman" panose="02020603050405020304" pitchFamily="18" charset="0"/>
+              <a:cs typeface="Times New Roman" panose="02020603050405020304" pitchFamily="18" charset="0"/>
+            </a:endParaRPr>
           </a:p>
         </p:txBody>
       </p:sp>
@@ -7033,8 +7193,8 @@
         </p:nvSpPr>
         <p:spPr>
           <a:xfrm>
-            <a:off x="21738194" y="10291565"/>
-            <a:ext cx="20223640" cy="1311128"/>
+            <a:off x="21633810" y="11266998"/>
+            <a:ext cx="20223640" cy="2529923"/>
           </a:xfrm>
           <a:prstGeom prst="rect">
             <a:avLst/>
@@ -7042,7 +7202,7 @@
           <a:noFill/>
         </p:spPr>
         <p:txBody>
-          <a:bodyPr wrap="square" rtlCol="0" anchor="ctr">
+          <a:bodyPr wrap="square" rtlCol="0" anchor="t">
             <a:spAutoFit/>
           </a:bodyPr>
           <a:lstStyle/>
@@ -7061,7 +7221,7 @@
                 <a:latin typeface="Times New Roman" panose="02020603050405020304" pitchFamily="18" charset="0"/>
                 <a:cs typeface="Times New Roman" panose="02020603050405020304" pitchFamily="18" charset="0"/>
               </a:rPr>
-              <a:t>Affichage des températures /point de rosée toute les 2 minutes</a:t>
+              <a:t>Affichage des températures /point de rosée toute les 2 secondes</a:t>
             </a:r>
           </a:p>
           <a:p>
@@ -7082,14 +7242,86 @@
               <a:t>Transfert de consigne sur une plage comprise entre 15 et 25°</a:t>
             </a:r>
           </a:p>
+          <a:p>
+            <a:pPr marL="571500" indent="-571500">
+              <a:buFontTx/>
+              <a:buChar char="-"/>
+            </a:pPr>
+            <a:r>
+              <a:rPr lang="fr-FR" sz="3960" dirty="0">
+                <a:solidFill>
+                  <a:schemeClr val="bg2">
+                    <a:lumMod val="25000"/>
+                  </a:schemeClr>
+                </a:solidFill>
+                <a:latin typeface="Times New Roman" panose="02020603050405020304" pitchFamily="18" charset="0"/>
+                <a:cs typeface="Times New Roman" panose="02020603050405020304" pitchFamily="18" charset="0"/>
+              </a:rPr>
+              <a:t>Interface présentant l’évolution de la température par rapport au mesures (mesures)</a:t>
+            </a:r>
+          </a:p>
+          <a:p>
+            <a:pPr marL="571500" indent="-571500">
+              <a:buFontTx/>
+              <a:buChar char="-"/>
+            </a:pPr>
+            <a:r>
+              <a:rPr lang="fr-FR" sz="3960" dirty="0">
+                <a:solidFill>
+                  <a:schemeClr val="bg2">
+                    <a:lumMod val="25000"/>
+                  </a:schemeClr>
+                </a:solidFill>
+                <a:latin typeface="Times New Roman" panose="02020603050405020304" pitchFamily="18" charset="0"/>
+                <a:cs typeface="Times New Roman" panose="02020603050405020304" pitchFamily="18" charset="0"/>
+              </a:rPr>
+              <a:t>Message d’alerte si le point de rosée à été atteint</a:t>
+            </a:r>
+          </a:p>
         </p:txBody>
       </p:sp>
+      <p:pic>
+        <p:nvPicPr>
+          <p:cNvPr id="7" name="Image 6">
+            <a:extLst>
+              <a:ext uri="{FF2B5EF4-FFF2-40B4-BE49-F238E27FC236}">
+                <a16:creationId xmlns:a16="http://schemas.microsoft.com/office/drawing/2014/main" id="{630EF7EC-93E7-49B8-9152-257EBE5B1389}"/>
+              </a:ext>
+            </a:extLst>
+          </p:cNvPr>
+          <p:cNvPicPr>
+            <a:picLocks noChangeAspect="1"/>
+          </p:cNvPicPr>
+          <p:nvPr/>
+        </p:nvPicPr>
+        <p:blipFill>
+          <a:blip r:embed="rId3">
+            <a:extLst>
+              <a:ext uri="{28A0092B-C50C-407E-A947-70E740481C1C}">
+                <a14:useLocalDpi xmlns:a14="http://schemas.microsoft.com/office/drawing/2010/main" val="0"/>
+              </a:ext>
+            </a:extLst>
+          </a:blip>
+          <a:stretch>
+            <a:fillRect/>
+          </a:stretch>
+        </p:blipFill>
+        <p:spPr>
+          <a:xfrm>
+            <a:off x="25659747" y="13889724"/>
+            <a:ext cx="12171767" cy="7416132"/>
+          </a:xfrm>
+          <a:prstGeom prst="rect">
+            <a:avLst/>
+          </a:prstGeom>
+        </p:spPr>
+      </p:pic>
       <p:sp>
         <p:nvSpPr>
-          <p:cNvPr id="4" name="ZoneTexte 3">
+          <p:cNvPr id="8" name="ZoneTexte 7">
             <a:extLst>
               <a:ext uri="{FF2B5EF4-FFF2-40B4-BE49-F238E27FC236}">
-                <a16:creationId xmlns:a16="http://schemas.microsoft.com/office/drawing/2014/main" id="{BFEC86D8-6C6B-4F16-9FBB-EFA52DCD483A}"/>
+                <a16:creationId xmlns:a16="http://schemas.microsoft.com/office/drawing/2014/main" id="{E05ED64B-B1A6-4B6B-B703-1639E68CF6CB}"/>
               </a:ext>
             </a:extLst>
           </p:cNvPr>
@@ -7098,8 +7330,8 @@
         </p:nvSpPr>
         <p:spPr>
           <a:xfrm>
-            <a:off x="31677429" y="17532305"/>
-            <a:ext cx="2688939" cy="2677656"/>
+            <a:off x="25512434" y="21179650"/>
+            <a:ext cx="12179506" cy="523220"/>
           </a:xfrm>
           <a:prstGeom prst="rect">
             <a:avLst/>
@@ -7112,50 +7344,150 @@
           </a:bodyPr>
           <a:lstStyle/>
           <a:p>
+            <a:pPr algn="ctr"/>
+            <a:r>
+              <a:rPr lang="fr-FR" sz="2800" dirty="0">
+                <a:solidFill>
+                  <a:schemeClr val="accent5">
+                    <a:lumMod val="50000"/>
+                  </a:schemeClr>
+                </a:solidFill>
+                <a:latin typeface="Times New Roman" panose="02020603050405020304" pitchFamily="18" charset="0"/>
+                <a:cs typeface="Times New Roman" panose="02020603050405020304" pitchFamily="18" charset="0"/>
+              </a:rPr>
+              <a:t>Schéma de montage de l'Arduino (si dessus</a:t>
+            </a:r>
             <a:r>
               <a:rPr lang="fr-FR" sz="2800" dirty="0">
                 <a:latin typeface="Times New Roman" panose="02020603050405020304" pitchFamily="18" charset="0"/>
                 <a:cs typeface="Times New Roman" panose="02020603050405020304" pitchFamily="18" charset="0"/>
               </a:rPr>
-              <a:t>Insérer photo interface Java</a:t>
-            </a:r>
-          </a:p>
-          <a:p>
-            <a:r>
-              <a:rPr lang="fr-FR" sz="2800" dirty="0">
+              <a:t>)</a:t>
+            </a:r>
+          </a:p>
+        </p:txBody>
+      </p:sp>
+      <p:sp>
+        <p:nvSpPr>
+          <p:cNvPr id="12" name="ZoneTexte 11">
+            <a:extLst>
+              <a:ext uri="{FF2B5EF4-FFF2-40B4-BE49-F238E27FC236}">
+                <a16:creationId xmlns:a16="http://schemas.microsoft.com/office/drawing/2014/main" id="{DFA3CFA3-BDB5-4994-985A-B5F34261799F}"/>
+              </a:ext>
+            </a:extLst>
+          </p:cNvPr>
+          <p:cNvSpPr txBox="1"/>
+          <p:nvPr/>
+        </p:nvSpPr>
+        <p:spPr>
+          <a:xfrm>
+            <a:off x="22212300" y="4910356"/>
+            <a:ext cx="17183100" cy="1938992"/>
+          </a:xfrm>
+          <a:prstGeom prst="rect">
+            <a:avLst/>
+          </a:prstGeom>
+          <a:noFill/>
+        </p:spPr>
+        <p:txBody>
+          <a:bodyPr wrap="square" rtlCol="0">
+            <a:spAutoFit/>
+          </a:bodyPr>
+          <a:lstStyle/>
+          <a:p>
+            <a:r>
+              <a:rPr lang="fr-FR" sz="3600" dirty="0">
+                <a:solidFill>
+                  <a:schemeClr val="accent5">
+                    <a:lumMod val="50000"/>
+                  </a:schemeClr>
+                </a:solidFill>
                 <a:latin typeface="Times New Roman" panose="02020603050405020304" pitchFamily="18" charset="0"/>
                 <a:cs typeface="Times New Roman" panose="02020603050405020304" pitchFamily="18" charset="0"/>
-                <a:sym typeface="Wingdings" panose="05000000000000000000" pitchFamily="2" charset="2"/>
               </a:rPr>
-              <a:t></a:t>
+              <a:t>L’interface graphique sous java</a:t>
             </a:r>
           </a:p>
           <a:p>
             <a:r>
               <a:rPr lang="fr-FR" sz="2800" dirty="0">
+                <a:solidFill>
+                  <a:schemeClr val="accent5">
+                    <a:lumMod val="50000"/>
+                  </a:schemeClr>
+                </a:solidFill>
                 <a:latin typeface="Times New Roman" panose="02020603050405020304" pitchFamily="18" charset="0"/>
                 <a:cs typeface="Times New Roman" panose="02020603050405020304" pitchFamily="18" charset="0"/>
-                <a:sym typeface="Wingdings" panose="05000000000000000000" pitchFamily="2" charset="2"/>
               </a:rPr>
-              <a:t>Insérer photo montage</a:t>
-            </a:r>
-          </a:p>
-          <a:p>
-            <a:r>
-              <a:rPr lang="fr-FR" sz="2800">
+              <a:t>- Affichage des température (réception)</a:t>
+            </a:r>
+          </a:p>
+          <a:p>
+            <a:r>
+              <a:rPr lang="fr-FR" sz="2800" dirty="0">
+                <a:solidFill>
+                  <a:schemeClr val="accent5">
+                    <a:lumMod val="50000"/>
+                  </a:schemeClr>
+                </a:solidFill>
                 <a:latin typeface="Times New Roman" panose="02020603050405020304" pitchFamily="18" charset="0"/>
                 <a:cs typeface="Times New Roman" panose="02020603050405020304" pitchFamily="18" charset="0"/>
-                <a:sym typeface="Wingdings" panose="05000000000000000000" pitchFamily="2" charset="2"/>
               </a:rPr>
-              <a:t> &gt;</a:t>
-            </a:r>
-            <a:endParaRPr lang="fr-FR" sz="2800" dirty="0">
-              <a:latin typeface="Times New Roman" panose="02020603050405020304" pitchFamily="18" charset="0"/>
-              <a:cs typeface="Times New Roman" panose="02020603050405020304" pitchFamily="18" charset="0"/>
-            </a:endParaRPr>
+              <a:t>- Modification de consigne via bouton +/- et zone de texte (envoi)</a:t>
+            </a:r>
+          </a:p>
+          <a:p>
+            <a:r>
+              <a:rPr lang="fr-FR" sz="2800" dirty="0">
+                <a:solidFill>
+                  <a:schemeClr val="accent5">
+                    <a:lumMod val="50000"/>
+                  </a:schemeClr>
+                </a:solidFill>
+                <a:latin typeface="Times New Roman" panose="02020603050405020304" pitchFamily="18" charset="0"/>
+                <a:cs typeface="Times New Roman" panose="02020603050405020304" pitchFamily="18" charset="0"/>
+              </a:rPr>
+              <a:t>- Communication via l’Arduino (port série)</a:t>
+            </a:r>
           </a:p>
         </p:txBody>
       </p:sp>
+      <p:pic>
+        <p:nvPicPr>
+          <p:cNvPr id="14" name="Image 13">
+            <a:extLst>
+              <a:ext uri="{FF2B5EF4-FFF2-40B4-BE49-F238E27FC236}">
+                <a16:creationId xmlns:a16="http://schemas.microsoft.com/office/drawing/2014/main" id="{6417228E-3233-41C2-BA1C-1D74B242B701}"/>
+              </a:ext>
+            </a:extLst>
+          </p:cNvPr>
+          <p:cNvPicPr>
+            <a:picLocks noChangeAspect="1"/>
+          </p:cNvPicPr>
+          <p:nvPr/>
+        </p:nvPicPr>
+        <p:blipFill>
+          <a:blip r:embed="rId4">
+            <a:extLst>
+              <a:ext uri="{28A0092B-C50C-407E-A947-70E740481C1C}">
+                <a14:useLocalDpi xmlns:a14="http://schemas.microsoft.com/office/drawing/2010/main" val="0"/>
+              </a:ext>
+            </a:extLst>
+          </a:blip>
+          <a:stretch>
+            <a:fillRect/>
+          </a:stretch>
+        </p:blipFill>
+        <p:spPr>
+          <a:xfrm>
+            <a:off x="11761939" y="12755774"/>
+            <a:ext cx="8591003" cy="4842016"/>
+          </a:xfrm>
+          <a:prstGeom prst="rect">
+            <a:avLst/>
+          </a:prstGeom>
+        </p:spPr>
+      </p:pic>
     </p:spTree>
     <p:extLst>
       <p:ext uri="{BB962C8B-B14F-4D97-AF65-F5344CB8AC3E}">

--- a/Poster_Pimpmyfridge.pptx
+++ b/Poster_Pimpmyfridge.pptx
@@ -4450,7 +4450,7 @@
               <a:graphicData uri="http://schemas.openxmlformats.org/presentationml/2006/ole">
                 <mc:AlternateContent xmlns:mc="http://schemas.openxmlformats.org/markup-compatibility/2006">
                   <mc:Choice xmlns:v="urn:schemas-microsoft-com:vml" Requires="v">
-                    <p:oleObj spid="_x0000_s2222" name="Image" r:id="rId8" imgW="1828440" imgH="1117440" progId="Photoshop.Image.13">
+                    <p:oleObj spid="_x0000_s2234" name="Image" r:id="rId8" imgW="1828440" imgH="1117440" progId="Photoshop.Image.13">
                       <p:embed/>
                     </p:oleObj>
                   </mc:Choice>
@@ -4507,7 +4507,7 @@
               <a:graphicData uri="http://schemas.openxmlformats.org/presentationml/2006/ole">
                 <mc:AlternateContent xmlns:mc="http://schemas.openxmlformats.org/markup-compatibility/2006">
                   <mc:Choice xmlns:v="urn:schemas-microsoft-com:vml" Requires="v">
-                    <p:oleObj spid="_x0000_s2223" name="Image" r:id="rId10" imgW="1828440" imgH="1117440" progId="Photoshop.Image.13">
+                    <p:oleObj spid="_x0000_s2235" name="Image" r:id="rId10" imgW="1828440" imgH="1117440" progId="Photoshop.Image.13">
                       <p:embed/>
                     </p:oleObj>
                   </mc:Choice>
@@ -5642,7 +5642,7 @@
             <a:graphicData uri="http://schemas.openxmlformats.org/presentationml/2006/ole">
               <mc:AlternateContent xmlns:mc="http://schemas.openxmlformats.org/markup-compatibility/2006">
                 <mc:Choice xmlns:v="urn:schemas-microsoft-com:vml" Requires="v">
-                  <p:oleObj spid="_x0000_s2224" name="Image" r:id="rId12" imgW="4571280" imgH="1688760" progId="Photoshop.Image.13">
+                  <p:oleObj spid="_x0000_s2236" name="Image" r:id="rId12" imgW="4571280" imgH="1688760" progId="Photoshop.Image.13">
                     <p:embed/>
                   </p:oleObj>
                 </mc:Choice>
@@ -5726,7 +5726,7 @@
             <a:graphicData uri="http://schemas.openxmlformats.org/presentationml/2006/ole">
               <mc:AlternateContent xmlns:mc="http://schemas.openxmlformats.org/markup-compatibility/2006">
                 <mc:Choice xmlns:v="urn:schemas-microsoft-com:vml" Requires="v">
-                  <p:oleObj spid="_x0000_s2225" name="Image" r:id="rId15" imgW="1574280" imgH="1053720" progId="Photoshop.Image.13">
+                  <p:oleObj spid="_x0000_s2237" name="Image" r:id="rId15" imgW="1574280" imgH="1053720" progId="Photoshop.Image.13">
                     <p:embed/>
                   </p:oleObj>
                 </mc:Choice>
@@ -6443,7 +6443,7 @@
         </p:nvSpPr>
         <p:spPr>
           <a:xfrm>
-            <a:off x="881789" y="5493673"/>
+            <a:off x="881789" y="6019278"/>
             <a:ext cx="20216457" cy="3742130"/>
           </a:xfrm>
         </p:spPr>
@@ -6456,7 +6456,9 @@
               <a:buChar char="-"/>
             </a:pPr>
             <a:r>
-              <a:rPr lang="fr-FR" dirty="0"/>
+              <a:rPr lang="fr-FR" dirty="0">
+                <a:latin typeface="+mn-lt"/>
+              </a:rPr>
               <a:t>Nous nous sommes procuré un mini réfrigérateur USB qui refroidit notre boisson préférée.</a:t>
             </a:r>
           </a:p>
@@ -6466,7 +6468,9 @@
               <a:buChar char="-"/>
             </a:pPr>
             <a:r>
-              <a:rPr lang="fr-FR" dirty="0"/>
+              <a:rPr lang="fr-FR" dirty="0">
+                <a:latin typeface="+mn-lt"/>
+              </a:rPr>
               <a:t>Après quelques heures d’utilisation nous nous sommes rendu compte que la température extérieure influence la température de notre boisson. La plupart du temps notre boisson est trop fraiche, ce qui ne nous permet pas d’apprécier tous les arômes de celle-ci.</a:t>
             </a:r>
           </a:p>
@@ -6476,7 +6480,9 @@
               <a:buChar char="-"/>
             </a:pPr>
             <a:r>
-              <a:rPr lang="fr-FR" dirty="0"/>
+              <a:rPr lang="fr-FR" dirty="0">
+                <a:latin typeface="+mn-lt"/>
+              </a:rPr>
               <a:t>Nous décidons donc d’utiliser notre carte Arduino pour agir sur ce problème.</a:t>
             </a:r>
           </a:p>
@@ -6494,7 +6500,7 @@
         </p:nvSpPr>
         <p:spPr>
           <a:xfrm>
-            <a:off x="899492" y="4395648"/>
+            <a:off x="899492" y="4921253"/>
             <a:ext cx="20200500" cy="1029417"/>
           </a:xfrm>
         </p:spPr>
@@ -6521,7 +6527,7 @@
         </p:nvSpPr>
         <p:spPr>
           <a:xfrm>
-            <a:off x="917857" y="9493529"/>
+            <a:off x="917857" y="10019134"/>
             <a:ext cx="20205437" cy="1029417"/>
           </a:xfrm>
         </p:spPr>
@@ -6548,7 +6554,7 @@
         </p:nvSpPr>
         <p:spPr>
           <a:xfrm>
-            <a:off x="21722533" y="10320607"/>
+            <a:off x="21502067" y="9327968"/>
             <a:ext cx="20200240" cy="1029417"/>
           </a:xfrm>
         </p:spPr>
@@ -6557,11 +6563,15 @@
           <a:lstStyle/>
           <a:p>
             <a:r>
-              <a:rPr lang="fr-FR" dirty="0"/>
+              <a:rPr lang="fr-FR" dirty="0">
+                <a:latin typeface="+mj-lt"/>
+              </a:rPr>
               <a:t>Résultats</a:t>
             </a:r>
             <a:r>
-              <a:rPr lang="en-US" dirty="0"/>
+              <a:rPr lang="en-US" dirty="0">
+                <a:latin typeface="+mj-lt"/>
+              </a:rPr>
               <a:t>:</a:t>
             </a:r>
           </a:p>
@@ -6579,7 +6589,7 @@
         </p:nvSpPr>
         <p:spPr>
           <a:xfrm>
-            <a:off x="21800655" y="23024206"/>
+            <a:off x="21800655" y="22459059"/>
             <a:ext cx="20184579" cy="1029417"/>
           </a:xfrm>
         </p:spPr>
@@ -6588,7 +6598,9 @@
           <a:lstStyle/>
           <a:p>
             <a:r>
-              <a:rPr lang="en-US" dirty="0"/>
+              <a:rPr lang="en-US" dirty="0">
+                <a:latin typeface="+mj-lt"/>
+              </a:rPr>
               <a:t>Conclusion</a:t>
             </a:r>
           </a:p>
@@ -6606,8 +6618,8 @@
         </p:nvSpPr>
         <p:spPr>
           <a:xfrm>
-            <a:off x="21691217" y="23978313"/>
-            <a:ext cx="20194689" cy="4934700"/>
+            <a:off x="21691217" y="23413166"/>
+            <a:ext cx="20194689" cy="4625320"/>
           </a:xfrm>
         </p:spPr>
         <p:txBody>
@@ -6619,7 +6631,9 @@
               <a:buChar char="-"/>
             </a:pPr>
             <a:r>
-              <a:rPr lang="fr-FR" dirty="0"/>
+              <a:rPr lang="fr-FR" sz="4000" dirty="0">
+                <a:latin typeface="+mn-lt"/>
+              </a:rPr>
               <a:t>Acquisition de connaissances (et rappel de connaissances)</a:t>
             </a:r>
           </a:p>
@@ -6629,8 +6643,13 @@
               <a:buChar char="-"/>
             </a:pPr>
             <a:r>
-              <a:rPr lang="fr-FR" dirty="0">
-                <a:latin typeface="Times New Roman" panose="02020603050405020304" pitchFamily="18" charset="0"/>
+              <a:rPr lang="fr-FR" sz="4000" dirty="0">
+                <a:solidFill>
+                  <a:schemeClr val="accent5">
+                    <a:lumMod val="50000"/>
+                  </a:schemeClr>
+                </a:solidFill>
+                <a:latin typeface="+mj-lt"/>
                 <a:cs typeface="Times New Roman" panose="02020603050405020304" pitchFamily="18" charset="0"/>
               </a:rPr>
               <a:t>Thermodynamique</a:t>
@@ -6642,22 +6661,37 @@
               <a:buChar char="-"/>
             </a:pPr>
             <a:r>
-              <a:rPr lang="fr-FR" dirty="0">
-                <a:latin typeface="Times New Roman" panose="02020603050405020304" pitchFamily="18" charset="0"/>
+              <a:rPr lang="fr-FR" sz="4000" dirty="0">
+                <a:solidFill>
+                  <a:schemeClr val="accent5">
+                    <a:lumMod val="50000"/>
+                  </a:schemeClr>
+                </a:solidFill>
+                <a:latin typeface="+mj-lt"/>
                 <a:cs typeface="Times New Roman" panose="02020603050405020304" pitchFamily="18" charset="0"/>
               </a:rPr>
               <a:t>Mesure physique (</a:t>
             </a:r>
             <a:r>
-              <a:rPr lang="fr-FR" dirty="0" err="1">
-                <a:latin typeface="Times New Roman" panose="02020603050405020304" pitchFamily="18" charset="0"/>
+              <a:rPr lang="fr-FR" sz="4000" dirty="0" err="1">
+                <a:solidFill>
+                  <a:schemeClr val="accent5">
+                    <a:lumMod val="50000"/>
+                  </a:schemeClr>
+                </a:solidFill>
+                <a:latin typeface="+mj-lt"/>
                 <a:cs typeface="Times New Roman" panose="02020603050405020304" pitchFamily="18" charset="0"/>
               </a:rPr>
               <a:t>arduino</a:t>
             </a:r>
             <a:r>
-              <a:rPr lang="fr-FR" dirty="0">
-                <a:latin typeface="Times New Roman" panose="02020603050405020304" pitchFamily="18" charset="0"/>
+              <a:rPr lang="fr-FR" sz="4000" dirty="0">
+                <a:solidFill>
+                  <a:schemeClr val="accent5">
+                    <a:lumMod val="50000"/>
+                  </a:schemeClr>
+                </a:solidFill>
+                <a:latin typeface="+mj-lt"/>
                 <a:cs typeface="Times New Roman" panose="02020603050405020304" pitchFamily="18" charset="0"/>
               </a:rPr>
               <a:t>)</a:t>
@@ -6669,8 +6703,13 @@
               <a:buChar char="-"/>
             </a:pPr>
             <a:r>
-              <a:rPr lang="fr-FR" dirty="0">
-                <a:latin typeface="Times New Roman" panose="02020603050405020304" pitchFamily="18" charset="0"/>
+              <a:rPr lang="fr-FR" sz="4000" dirty="0">
+                <a:solidFill>
+                  <a:schemeClr val="accent5">
+                    <a:lumMod val="50000"/>
+                  </a:schemeClr>
+                </a:solidFill>
+                <a:latin typeface="+mj-lt"/>
                 <a:cs typeface="Times New Roman" panose="02020603050405020304" pitchFamily="18" charset="0"/>
               </a:rPr>
               <a:t>Électronique</a:t>
@@ -6682,8 +6721,13 @@
               <a:buChar char="-"/>
             </a:pPr>
             <a:r>
-              <a:rPr lang="fr-FR" dirty="0">
-                <a:latin typeface="Times New Roman" panose="02020603050405020304" pitchFamily="18" charset="0"/>
+              <a:rPr lang="fr-FR" sz="4000" dirty="0">
+                <a:solidFill>
+                  <a:schemeClr val="accent5">
+                    <a:lumMod val="50000"/>
+                  </a:schemeClr>
+                </a:solidFill>
+                <a:latin typeface="+mj-lt"/>
                 <a:cs typeface="Times New Roman" panose="02020603050405020304" pitchFamily="18" charset="0"/>
               </a:rPr>
               <a:t>Java (interface)</a:t>
@@ -6713,7 +6757,7 @@
         </p:nvSpPr>
         <p:spPr>
           <a:xfrm>
-            <a:off x="900157" y="10287629"/>
+            <a:off x="900157" y="10813234"/>
             <a:ext cx="20218202" cy="3254689"/>
           </a:xfrm>
         </p:spPr>
@@ -6722,7 +6766,9 @@
           <a:lstStyle/>
           <a:p>
             <a:r>
-              <a:rPr lang="fr-FR" dirty="0"/>
+              <a:rPr lang="fr-FR" dirty="0">
+                <a:latin typeface="+mj-lt"/>
+              </a:rPr>
               <a:t>Mise en place d’une interface graphique en Java permettant :</a:t>
             </a:r>
           </a:p>
@@ -6732,7 +6778,9 @@
               <a:buChar char="-"/>
             </a:pPr>
             <a:r>
-              <a:rPr lang="fr-FR" dirty="0"/>
+              <a:rPr lang="fr-FR" dirty="0">
+                <a:latin typeface="+mn-lt"/>
+              </a:rPr>
               <a:t>De modifier la température de la consigne.</a:t>
             </a:r>
           </a:p>
@@ -6742,7 +6790,9 @@
               <a:buChar char="-"/>
             </a:pPr>
             <a:r>
-              <a:rPr lang="fr-FR" dirty="0"/>
+              <a:rPr lang="fr-FR" dirty="0">
+                <a:latin typeface="+mn-lt"/>
+              </a:rPr>
               <a:t>D’afficher l’évolution des températures de l’intérieur et de l’extérieur.</a:t>
             </a:r>
           </a:p>
@@ -6752,7 +6802,9 @@
               <a:buChar char="-"/>
             </a:pPr>
             <a:r>
-              <a:rPr lang="fr-FR" dirty="0"/>
+              <a:rPr lang="fr-FR" dirty="0">
+                <a:latin typeface="+mn-lt"/>
+              </a:rPr>
               <a:t>D’alerter l’utilisateur en cas de condensation.</a:t>
             </a:r>
           </a:p>
@@ -6887,7 +6939,7 @@
         </p:nvSpPr>
         <p:spPr>
           <a:xfrm>
-            <a:off x="863028" y="18085189"/>
+            <a:off x="863028" y="18610794"/>
             <a:ext cx="20218202" cy="938719"/>
           </a:xfrm>
           <a:prstGeom prst="rect">
@@ -6930,8 +6982,8 @@
         </p:nvSpPr>
         <p:spPr>
           <a:xfrm>
-            <a:off x="1391197" y="19543560"/>
-            <a:ext cx="18961745" cy="8894743"/>
+            <a:off x="1391197" y="20069165"/>
+            <a:ext cx="18961745" cy="8956298"/>
           </a:xfrm>
           <a:prstGeom prst="rect">
             <a:avLst/>
@@ -6945,13 +6997,12 @@
           <a:lstStyle/>
           <a:p>
             <a:r>
-              <a:rPr lang="fr-FR" sz="4000" dirty="0">
+              <a:rPr lang="fr-FR" sz="4800" dirty="0">
                 <a:solidFill>
                   <a:schemeClr val="bg2">
                     <a:lumMod val="25000"/>
                   </a:schemeClr>
                 </a:solidFill>
-                <a:latin typeface="Times New Roman" panose="02020603050405020304" pitchFamily="18" charset="0"/>
                 <a:cs typeface="Times New Roman" panose="02020603050405020304" pitchFamily="18" charset="0"/>
               </a:rPr>
               <a:t>Utilisation d’un transistor MOSFET :</a:t>
@@ -6959,13 +7010,13 @@
           </a:p>
           <a:p>
             <a:r>
-              <a:rPr lang="fr-FR" sz="3200" dirty="0">
+              <a:rPr lang="fr-FR" sz="4000" dirty="0">
                 <a:solidFill>
                   <a:schemeClr val="bg2">
                     <a:lumMod val="25000"/>
                   </a:schemeClr>
                 </a:solidFill>
-                <a:latin typeface="Times New Roman" panose="02020603050405020304" pitchFamily="18" charset="0"/>
+                <a:latin typeface="+mj-lt"/>
                 <a:cs typeface="Times New Roman" panose="02020603050405020304" pitchFamily="18" charset="0"/>
               </a:rPr>
               <a:t>-Tension de source dépendante de la tension de grille</a:t>
@@ -6973,49 +7024,103 @@
           </a:p>
           <a:p>
             <a:r>
-              <a:rPr lang="fr-FR" sz="3200" dirty="0">
+              <a:rPr lang="fr-FR" sz="4000" dirty="0">
                 <a:solidFill>
                   <a:schemeClr val="bg2">
                     <a:lumMod val="25000"/>
                   </a:schemeClr>
                 </a:solidFill>
-                <a:latin typeface="Times New Roman" panose="02020603050405020304" pitchFamily="18" charset="0"/>
+                <a:latin typeface="+mj-lt"/>
                 <a:cs typeface="Times New Roman" panose="02020603050405020304" pitchFamily="18" charset="0"/>
               </a:rPr>
               <a:t>-Régulation de température (plage de tension)</a:t>
             </a:r>
           </a:p>
           <a:p>
-            <a:endParaRPr lang="fr-FR" sz="2800" dirty="0">
+            <a:endParaRPr lang="fr-FR" sz="3600" dirty="0">
               <a:solidFill>
                 <a:schemeClr val="bg2">
                   <a:lumMod val="25000"/>
                 </a:schemeClr>
               </a:solidFill>
-              <a:latin typeface="Times New Roman" panose="02020603050405020304" pitchFamily="18" charset="0"/>
+              <a:latin typeface="+mj-lt"/>
               <a:cs typeface="Times New Roman" panose="02020603050405020304" pitchFamily="18" charset="0"/>
             </a:endParaRPr>
           </a:p>
           <a:p>
-            <a:endParaRPr lang="fr-FR" sz="2800" dirty="0">
+            <a:r>
+              <a:rPr lang="fr-FR" sz="4800" dirty="0">
+                <a:solidFill>
+                  <a:schemeClr val="bg2">
+                    <a:lumMod val="25000"/>
+                  </a:schemeClr>
+                </a:solidFill>
+                <a:cs typeface="Times New Roman" panose="02020603050405020304" pitchFamily="18" charset="0"/>
+              </a:rPr>
+              <a:t>Mesure de la température/ humidités : Le capteur AM2023</a:t>
+            </a:r>
+          </a:p>
+          <a:p>
+            <a:r>
+              <a:rPr lang="fr-FR" sz="4000" dirty="0">
+                <a:solidFill>
+                  <a:schemeClr val="bg2">
+                    <a:lumMod val="25000"/>
+                  </a:schemeClr>
+                </a:solidFill>
+                <a:latin typeface="+mj-lt"/>
+                <a:cs typeface="Times New Roman" panose="02020603050405020304" pitchFamily="18" charset="0"/>
+              </a:rPr>
+              <a:t>-Combine un capteur de température et d’humidité</a:t>
+            </a:r>
+          </a:p>
+          <a:p>
+            <a:r>
+              <a:rPr lang="fr-FR" sz="4000" dirty="0">
+                <a:solidFill>
+                  <a:schemeClr val="bg2">
+                    <a:lumMod val="25000"/>
+                  </a:schemeClr>
+                </a:solidFill>
+                <a:latin typeface="+mj-lt"/>
+                <a:cs typeface="Times New Roman" panose="02020603050405020304" pitchFamily="18" charset="0"/>
+              </a:rPr>
+              <a:t>-Mesure précise a 0,1°</a:t>
+            </a:r>
+          </a:p>
+          <a:p>
+            <a:r>
+              <a:rPr lang="fr-FR" sz="4000" dirty="0">
+                <a:solidFill>
+                  <a:schemeClr val="bg2">
+                    <a:lumMod val="25000"/>
+                  </a:schemeClr>
+                </a:solidFill>
+                <a:latin typeface="+mj-lt"/>
+                <a:cs typeface="Times New Roman" panose="02020603050405020304" pitchFamily="18" charset="0"/>
+              </a:rPr>
+              <a:t>-faible fréquence d’envoi 0,5 Hz</a:t>
+            </a:r>
+          </a:p>
+          <a:p>
+            <a:endParaRPr lang="fr-FR" sz="3600" dirty="0">
               <a:solidFill>
                 <a:schemeClr val="bg2">
                   <a:lumMod val="25000"/>
                 </a:schemeClr>
               </a:solidFill>
-              <a:latin typeface="Times New Roman" panose="02020603050405020304" pitchFamily="18" charset="0"/>
+              <a:latin typeface="+mj-lt"/>
               <a:cs typeface="Times New Roman" panose="02020603050405020304" pitchFamily="18" charset="0"/>
             </a:endParaRPr>
           </a:p>
           <a:p>
             <a:r>
-              <a:rPr lang="fr-FR" sz="3600" dirty="0">
+              <a:rPr lang="fr-FR" sz="4800" dirty="0">
                 <a:solidFill>
                   <a:schemeClr val="bg2">
                     <a:lumMod val="25000"/>
                   </a:schemeClr>
                 </a:solidFill>
-                <a:latin typeface="Times New Roman" panose="02020603050405020304" pitchFamily="18" charset="0"/>
                 <a:cs typeface="Times New Roman" panose="02020603050405020304" pitchFamily="18" charset="0"/>
               </a:rPr>
               <a:t>Point de rosée: la formule de Magnus</a:t>
@@ -7023,13 +7128,13 @@
           </a:p>
           <a:p>
             <a:r>
-              <a:rPr lang="fr-FR" sz="3200" dirty="0">
+              <a:rPr lang="fr-FR" sz="4000" dirty="0">
                 <a:solidFill>
                   <a:schemeClr val="bg2">
                     <a:lumMod val="25000"/>
                   </a:schemeClr>
                 </a:solidFill>
-                <a:latin typeface="Times New Roman" panose="02020603050405020304" pitchFamily="18" charset="0"/>
+                <a:latin typeface="+mj-lt"/>
                 <a:cs typeface="Times New Roman" panose="02020603050405020304" pitchFamily="18" charset="0"/>
               </a:rPr>
               <a:t>-Calcul de la température de condensation</a:t>
@@ -7037,13 +7142,13 @@
           </a:p>
           <a:p>
             <a:r>
-              <a:rPr lang="fr-FR" sz="3200" dirty="0">
+              <a:rPr lang="fr-FR" sz="4000" dirty="0">
                 <a:solidFill>
                   <a:schemeClr val="bg2">
                     <a:lumMod val="25000"/>
                   </a:schemeClr>
                 </a:solidFill>
-                <a:latin typeface="Times New Roman" panose="02020603050405020304" pitchFamily="18" charset="0"/>
+                <a:latin typeface="+mj-lt"/>
                 <a:cs typeface="Times New Roman" panose="02020603050405020304" pitchFamily="18" charset="0"/>
               </a:rPr>
               <a:t>-Avertit l’utilisateur dès le franchissement du point de rosée </a:t>
@@ -7051,13 +7156,13 @@
           </a:p>
           <a:p>
             <a:r>
-              <a:rPr lang="fr-FR" sz="3200" dirty="0">
+              <a:rPr lang="fr-FR" sz="4000" dirty="0">
                 <a:solidFill>
                   <a:schemeClr val="bg2">
                     <a:lumMod val="25000"/>
                   </a:schemeClr>
                 </a:solidFill>
-                <a:latin typeface="Times New Roman" panose="02020603050405020304" pitchFamily="18" charset="0"/>
+                <a:latin typeface="+mj-lt"/>
                 <a:cs typeface="Times New Roman" panose="02020603050405020304" pitchFamily="18" charset="0"/>
               </a:rPr>
               <a:t>(température d’apparition de la condensation en dessous)</a:t>
@@ -7065,117 +7170,17 @@
           </a:p>
           <a:p>
             <a:r>
-              <a:rPr lang="fr-FR" sz="3200" dirty="0">
+              <a:rPr lang="fr-FR" sz="4000" dirty="0">
                 <a:solidFill>
                   <a:schemeClr val="bg2">
                     <a:lumMod val="25000"/>
                   </a:schemeClr>
                 </a:solidFill>
-                <a:latin typeface="Times New Roman" panose="02020603050405020304" pitchFamily="18" charset="0"/>
+                <a:latin typeface="+mj-lt"/>
                 <a:cs typeface="Times New Roman" panose="02020603050405020304" pitchFamily="18" charset="0"/>
               </a:rPr>
               <a:t>-nécessite un capteur hygrométrique + thermistance</a:t>
             </a:r>
-          </a:p>
-          <a:p>
-            <a:endParaRPr lang="fr-FR" sz="2800" dirty="0">
-              <a:solidFill>
-                <a:schemeClr val="bg2">
-                  <a:lumMod val="25000"/>
-                </a:schemeClr>
-              </a:solidFill>
-              <a:latin typeface="Times New Roman" panose="02020603050405020304" pitchFamily="18" charset="0"/>
-              <a:cs typeface="Times New Roman" panose="02020603050405020304" pitchFamily="18" charset="0"/>
-            </a:endParaRPr>
-          </a:p>
-          <a:p>
-            <a:r>
-              <a:rPr lang="fr-FR" sz="3600" dirty="0">
-                <a:solidFill>
-                  <a:schemeClr val="bg2">
-                    <a:lumMod val="25000"/>
-                  </a:schemeClr>
-                </a:solidFill>
-                <a:latin typeface="Times New Roman" panose="02020603050405020304" pitchFamily="18" charset="0"/>
-                <a:cs typeface="Times New Roman" panose="02020603050405020304" pitchFamily="18" charset="0"/>
-              </a:rPr>
-              <a:t>Mesure de la température/ humidités : Le capteur AM2023</a:t>
-            </a:r>
-          </a:p>
-          <a:p>
-            <a:r>
-              <a:rPr lang="fr-FR" sz="3200" dirty="0">
-                <a:solidFill>
-                  <a:schemeClr val="bg2">
-                    <a:lumMod val="25000"/>
-                  </a:schemeClr>
-                </a:solidFill>
-                <a:latin typeface="Times New Roman" panose="02020603050405020304" pitchFamily="18" charset="0"/>
-                <a:cs typeface="Times New Roman" panose="02020603050405020304" pitchFamily="18" charset="0"/>
-              </a:rPr>
-              <a:t>-Combine un capteur de température et d’humidité</a:t>
-            </a:r>
-          </a:p>
-          <a:p>
-            <a:r>
-              <a:rPr lang="fr-FR" sz="3200" dirty="0">
-                <a:solidFill>
-                  <a:schemeClr val="bg2">
-                    <a:lumMod val="25000"/>
-                  </a:schemeClr>
-                </a:solidFill>
-                <a:latin typeface="Times New Roman" panose="02020603050405020304" pitchFamily="18" charset="0"/>
-                <a:cs typeface="Times New Roman" panose="02020603050405020304" pitchFamily="18" charset="0"/>
-              </a:rPr>
-              <a:t>-Mesure précise a 0,1°</a:t>
-            </a:r>
-          </a:p>
-          <a:p>
-            <a:r>
-              <a:rPr lang="fr-FR" sz="3200" dirty="0">
-                <a:solidFill>
-                  <a:schemeClr val="bg2">
-                    <a:lumMod val="25000"/>
-                  </a:schemeClr>
-                </a:solidFill>
-                <a:latin typeface="Times New Roman" panose="02020603050405020304" pitchFamily="18" charset="0"/>
-                <a:cs typeface="Times New Roman" panose="02020603050405020304" pitchFamily="18" charset="0"/>
-              </a:rPr>
-              <a:t>-faible fréquence d’envoi 0,5 Hz</a:t>
-            </a:r>
-          </a:p>
-          <a:p>
-            <a:endParaRPr lang="fr-FR" sz="3200" dirty="0">
-              <a:solidFill>
-                <a:schemeClr val="bg2">
-                  <a:lumMod val="25000"/>
-                </a:schemeClr>
-              </a:solidFill>
-              <a:latin typeface="Times New Roman" panose="02020603050405020304" pitchFamily="18" charset="0"/>
-              <a:cs typeface="Times New Roman" panose="02020603050405020304" pitchFamily="18" charset="0"/>
-            </a:endParaRPr>
-          </a:p>
-          <a:p>
-            <a:endParaRPr lang="fr-FR" sz="2800" dirty="0">
-              <a:solidFill>
-                <a:schemeClr val="bg2">
-                  <a:lumMod val="25000"/>
-                </a:schemeClr>
-              </a:solidFill>
-              <a:latin typeface="Times New Roman" panose="02020603050405020304" pitchFamily="18" charset="0"/>
-              <a:cs typeface="Times New Roman" panose="02020603050405020304" pitchFamily="18" charset="0"/>
-            </a:endParaRPr>
-          </a:p>
-          <a:p>
-            <a:endParaRPr lang="fr-FR" sz="2800" dirty="0">
-              <a:solidFill>
-                <a:schemeClr val="bg2">
-                  <a:lumMod val="25000"/>
-                </a:schemeClr>
-              </a:solidFill>
-              <a:latin typeface="Times New Roman" panose="02020603050405020304" pitchFamily="18" charset="0"/>
-              <a:cs typeface="Times New Roman" panose="02020603050405020304" pitchFamily="18" charset="0"/>
-            </a:endParaRPr>
           </a:p>
         </p:txBody>
       </p:sp>
@@ -7193,7 +7198,7 @@
         </p:nvSpPr>
         <p:spPr>
           <a:xfrm>
-            <a:off x="21633810" y="11266998"/>
+            <a:off x="21633810" y="10701851"/>
             <a:ext cx="20223640" cy="2529923"/>
           </a:xfrm>
           <a:prstGeom prst="rect">
@@ -7218,7 +7223,7 @@
                     <a:lumMod val="25000"/>
                   </a:schemeClr>
                 </a:solidFill>
-                <a:latin typeface="Times New Roman" panose="02020603050405020304" pitchFamily="18" charset="0"/>
+                <a:latin typeface="+mj-lt"/>
                 <a:cs typeface="Times New Roman" panose="02020603050405020304" pitchFamily="18" charset="0"/>
               </a:rPr>
               <a:t>Affichage des températures /point de rosée toute les 2 secondes</a:t>
@@ -7236,7 +7241,7 @@
                     <a:lumMod val="25000"/>
                   </a:schemeClr>
                 </a:solidFill>
-                <a:latin typeface="Times New Roman" panose="02020603050405020304" pitchFamily="18" charset="0"/>
+                <a:latin typeface="+mj-lt"/>
                 <a:cs typeface="Times New Roman" panose="02020603050405020304" pitchFamily="18" charset="0"/>
               </a:rPr>
               <a:t>Transfert de consigne sur une plage comprise entre 15 et 25°</a:t>
@@ -7254,7 +7259,7 @@
                     <a:lumMod val="25000"/>
                   </a:schemeClr>
                 </a:solidFill>
-                <a:latin typeface="Times New Roman" panose="02020603050405020304" pitchFamily="18" charset="0"/>
+                <a:latin typeface="+mj-lt"/>
                 <a:cs typeface="Times New Roman" panose="02020603050405020304" pitchFamily="18" charset="0"/>
               </a:rPr>
               <a:t>Interface présentant l’évolution de la température par rapport au mesures (mesures)</a:t>
@@ -7272,7 +7277,7 @@
                     <a:lumMod val="25000"/>
                   </a:schemeClr>
                 </a:solidFill>
-                <a:latin typeface="Times New Roman" panose="02020603050405020304" pitchFamily="18" charset="0"/>
+                <a:latin typeface="+mj-lt"/>
                 <a:cs typeface="Times New Roman" panose="02020603050405020304" pitchFamily="18" charset="0"/>
               </a:rPr>
               <a:t>Message d’alerte si le point de rosée à été atteint</a:t>
@@ -7308,7 +7313,7 @@
         </p:blipFill>
         <p:spPr>
           <a:xfrm>
-            <a:off x="25659747" y="13889724"/>
+            <a:off x="25807060" y="13811976"/>
             <a:ext cx="12171767" cy="7416132"/>
           </a:xfrm>
           <a:prstGeom prst="rect">
@@ -7330,7 +7335,7 @@
         </p:nvSpPr>
         <p:spPr>
           <a:xfrm>
-            <a:off x="25512434" y="21179650"/>
+            <a:off x="25512434" y="21336176"/>
             <a:ext cx="12179506" cy="523220"/>
           </a:xfrm>
           <a:prstGeom prst="rect">
@@ -7381,8 +7386,8 @@
         </p:nvSpPr>
         <p:spPr>
           <a:xfrm>
-            <a:off x="22212300" y="4910356"/>
-            <a:ext cx="17183100" cy="1938992"/>
+            <a:off x="22212300" y="5355481"/>
+            <a:ext cx="17183100" cy="3293209"/>
           </a:xfrm>
           <a:prstGeom prst="rect">
             <a:avLst/>
@@ -7396,13 +7401,12 @@
           <a:lstStyle/>
           <a:p>
             <a:r>
-              <a:rPr lang="fr-FR" sz="3600" dirty="0">
+              <a:rPr lang="fr-FR" sz="4800" dirty="0">
                 <a:solidFill>
                   <a:schemeClr val="accent5">
                     <a:lumMod val="50000"/>
                   </a:schemeClr>
                 </a:solidFill>
-                <a:latin typeface="Times New Roman" panose="02020603050405020304" pitchFamily="18" charset="0"/>
                 <a:cs typeface="Times New Roman" panose="02020603050405020304" pitchFamily="18" charset="0"/>
               </a:rPr>
               <a:t>L’interface graphique sous java</a:t>
@@ -7410,44 +7414,66 @@
           </a:p>
           <a:p>
             <a:r>
-              <a:rPr lang="fr-FR" sz="2800" dirty="0">
+              <a:rPr lang="fr-FR" sz="4000" dirty="0">
                 <a:solidFill>
                   <a:schemeClr val="accent5">
                     <a:lumMod val="50000"/>
                   </a:schemeClr>
                 </a:solidFill>
-                <a:latin typeface="Times New Roman" panose="02020603050405020304" pitchFamily="18" charset="0"/>
+                <a:latin typeface="+mj-lt"/>
                 <a:cs typeface="Times New Roman" panose="02020603050405020304" pitchFamily="18" charset="0"/>
               </a:rPr>
-              <a:t>- Affichage des température (réception)</a:t>
-            </a:r>
-          </a:p>
-          <a:p>
-            <a:r>
-              <a:rPr lang="fr-FR" sz="2800" dirty="0">
+              <a:t>-   Affichage des température (réception)</a:t>
+            </a:r>
+          </a:p>
+          <a:p>
+            <a:r>
+              <a:rPr lang="fr-FR" sz="4000" dirty="0">
                 <a:solidFill>
                   <a:schemeClr val="accent5">
                     <a:lumMod val="50000"/>
                   </a:schemeClr>
                 </a:solidFill>
-                <a:latin typeface="Times New Roman" panose="02020603050405020304" pitchFamily="18" charset="0"/>
+                <a:latin typeface="+mj-lt"/>
                 <a:cs typeface="Times New Roman" panose="02020603050405020304" pitchFamily="18" charset="0"/>
               </a:rPr>
-              <a:t>- Modification de consigne via bouton +/- et zone de texte (envoi)</a:t>
-            </a:r>
-          </a:p>
-          <a:p>
-            <a:r>
-              <a:rPr lang="fr-FR" sz="2800" dirty="0">
+              <a:t>-   Modification de consigne via bouton +/- et zone de texte (envoi)</a:t>
+            </a:r>
+          </a:p>
+          <a:p>
+            <a:pPr marL="457200" indent="-457200">
+              <a:buFontTx/>
+              <a:buChar char="-"/>
+            </a:pPr>
+            <a:r>
+              <a:rPr lang="fr-FR" sz="4000" dirty="0">
                 <a:solidFill>
                   <a:schemeClr val="accent5">
                     <a:lumMod val="50000"/>
                   </a:schemeClr>
                 </a:solidFill>
-                <a:latin typeface="Times New Roman" panose="02020603050405020304" pitchFamily="18" charset="0"/>
+                <a:latin typeface="+mj-lt"/>
                 <a:cs typeface="Times New Roman" panose="02020603050405020304" pitchFamily="18" charset="0"/>
               </a:rPr>
-              <a:t>- Communication via l’Arduino (port série)</a:t>
+              <a:t>Communication via l’Arduino (port série)</a:t>
+            </a:r>
+          </a:p>
+          <a:p>
+            <a:pPr marL="457200" indent="-457200">
+              <a:buFontTx/>
+              <a:buChar char="-"/>
+            </a:pPr>
+            <a:r>
+              <a:rPr lang="fr-FR" sz="4000" dirty="0">
+                <a:solidFill>
+                  <a:schemeClr val="accent5">
+                    <a:lumMod val="50000"/>
+                  </a:schemeClr>
+                </a:solidFill>
+                <a:latin typeface="+mj-lt"/>
+                <a:cs typeface="Times New Roman" panose="02020603050405020304" pitchFamily="18" charset="0"/>
+              </a:rPr>
+              <a:t>Graphique de l’évolution de la température (extérieur/intérieur)</a:t>
             </a:r>
           </a:p>
         </p:txBody>
@@ -7480,7 +7506,7 @@
         </p:blipFill>
         <p:spPr>
           <a:xfrm>
-            <a:off x="11761939" y="12755774"/>
+            <a:off x="11761939" y="13281379"/>
             <a:ext cx="8591003" cy="4842016"/>
           </a:xfrm>
           <a:prstGeom prst="rect">

--- a/Poster_Pimpmyfridge.pptx
+++ b/Poster_Pimpmyfridge.pptx
@@ -748,7 +748,7 @@
           </a:bodyPr>
           <a:lstStyle/>
           <a:p>
-            <a:endParaRPr lang="en-US"/>
+            <a:endParaRPr lang="en-US" dirty="0"/>
           </a:p>
         </p:txBody>
       </p:sp>
@@ -4450,7 +4450,7 @@
               <a:graphicData uri="http://schemas.openxmlformats.org/presentationml/2006/ole">
                 <mc:AlternateContent xmlns:mc="http://schemas.openxmlformats.org/markup-compatibility/2006">
                   <mc:Choice xmlns:v="urn:schemas-microsoft-com:vml" Requires="v">
-                    <p:oleObj spid="_x0000_s2234" name="Image" r:id="rId8" imgW="1828440" imgH="1117440" progId="Photoshop.Image.13">
+                    <p:oleObj spid="_x0000_s2246" name="Image" r:id="rId8" imgW="1828440" imgH="1117440" progId="Photoshop.Image.13">
                       <p:embed/>
                     </p:oleObj>
                   </mc:Choice>
@@ -4507,7 +4507,7 @@
               <a:graphicData uri="http://schemas.openxmlformats.org/presentationml/2006/ole">
                 <mc:AlternateContent xmlns:mc="http://schemas.openxmlformats.org/markup-compatibility/2006">
                   <mc:Choice xmlns:v="urn:schemas-microsoft-com:vml" Requires="v">
-                    <p:oleObj spid="_x0000_s2235" name="Image" r:id="rId10" imgW="1828440" imgH="1117440" progId="Photoshop.Image.13">
+                    <p:oleObj spid="_x0000_s2247" name="Image" r:id="rId10" imgW="1828440" imgH="1117440" progId="Photoshop.Image.13">
                       <p:embed/>
                     </p:oleObj>
                   </mc:Choice>
@@ -5642,7 +5642,7 @@
             <a:graphicData uri="http://schemas.openxmlformats.org/presentationml/2006/ole">
               <mc:AlternateContent xmlns:mc="http://schemas.openxmlformats.org/markup-compatibility/2006">
                 <mc:Choice xmlns:v="urn:schemas-microsoft-com:vml" Requires="v">
-                  <p:oleObj spid="_x0000_s2236" name="Image" r:id="rId12" imgW="4571280" imgH="1688760" progId="Photoshop.Image.13">
+                  <p:oleObj spid="_x0000_s2248" name="Image" r:id="rId12" imgW="4571280" imgH="1688760" progId="Photoshop.Image.13">
                     <p:embed/>
                   </p:oleObj>
                 </mc:Choice>
@@ -5726,7 +5726,7 @@
             <a:graphicData uri="http://schemas.openxmlformats.org/presentationml/2006/ole">
               <mc:AlternateContent xmlns:mc="http://schemas.openxmlformats.org/markup-compatibility/2006">
                 <mc:Choice xmlns:v="urn:schemas-microsoft-com:vml" Requires="v">
-                  <p:oleObj spid="_x0000_s2237" name="Image" r:id="rId15" imgW="1574280" imgH="1053720" progId="Photoshop.Image.13">
+                  <p:oleObj spid="_x0000_s2249" name="Image" r:id="rId15" imgW="1574280" imgH="1053720" progId="Photoshop.Image.13">
                     <p:embed/>
                   </p:oleObj>
                 </mc:Choice>
@@ -6619,29 +6619,38 @@
         <p:spPr>
           <a:xfrm>
             <a:off x="21691217" y="23413166"/>
-            <a:ext cx="20194689" cy="4625320"/>
+            <a:ext cx="20194689" cy="4675142"/>
           </a:xfrm>
         </p:spPr>
         <p:txBody>
-          <a:bodyPr numCol="2"/>
+          <a:bodyPr numCol="1"/>
           <a:lstStyle/>
           <a:p>
-            <a:pPr marL="571500" indent="-571500">
-              <a:buFontTx/>
-              <a:buChar char="-"/>
-            </a:pPr>
             <a:r>
               <a:rPr lang="fr-FR" sz="4000" dirty="0">
                 <a:latin typeface="+mn-lt"/>
               </a:rPr>
-              <a:t>Acquisition de connaissances (et rappel de connaissances)</a:t>
-            </a:r>
-          </a:p>
-          <a:p>
-            <a:pPr marL="2628849" lvl="1" indent="-571500">
-              <a:buFontTx/>
-              <a:buChar char="-"/>
-            </a:pPr>
+              <a:t>Acquisition de connaissances (et rappel de connaissances):</a:t>
+            </a:r>
+            <a:endParaRPr lang="fr-FR" sz="4000" dirty="0">
+              <a:solidFill>
+                <a:schemeClr val="tx1"/>
+              </a:solidFill>
+              <a:latin typeface="+mn-lt"/>
+              <a:cs typeface="+mn-cs"/>
+            </a:endParaRPr>
+          </a:p>
+          <a:p>
+            <a:r>
+              <a:rPr lang="fr-FR" sz="4000" dirty="0">
+                <a:solidFill>
+                  <a:schemeClr val="tx1"/>
+                </a:solidFill>
+                <a:latin typeface="+mn-lt"/>
+                <a:cs typeface="+mn-cs"/>
+              </a:rPr>
+              <a:t>- </a:t>
+            </a:r>
             <a:r>
               <a:rPr lang="fr-FR" sz="4000" dirty="0">
                 <a:solidFill>
@@ -6656,10 +6665,6 @@
             </a:r>
           </a:p>
           <a:p>
-            <a:pPr marL="2628849" lvl="1" indent="-571500">
-              <a:buFontTx/>
-              <a:buChar char="-"/>
-            </a:pPr>
             <a:r>
               <a:rPr lang="fr-FR" sz="4000" dirty="0">
                 <a:solidFill>
@@ -6670,7 +6675,7 @@
                 <a:latin typeface="+mj-lt"/>
                 <a:cs typeface="Times New Roman" panose="02020603050405020304" pitchFamily="18" charset="0"/>
               </a:rPr>
-              <a:t>Mesure physique (</a:t>
+              <a:t>- Mesure physique (</a:t>
             </a:r>
             <a:r>
               <a:rPr lang="fr-FR" sz="4000" dirty="0" err="1">
@@ -6698,10 +6703,6 @@
             </a:r>
           </a:p>
           <a:p>
-            <a:pPr marL="2628849" lvl="1" indent="-571500">
-              <a:buFontTx/>
-              <a:buChar char="-"/>
-            </a:pPr>
             <a:r>
               <a:rPr lang="fr-FR" sz="4000" dirty="0">
                 <a:solidFill>
@@ -6712,16 +6713,15 @@
                 <a:latin typeface="+mj-lt"/>
                 <a:cs typeface="Times New Roman" panose="02020603050405020304" pitchFamily="18" charset="0"/>
               </a:rPr>
-              <a:t>Électronique</a:t>
-            </a:r>
-          </a:p>
-          <a:p>
-            <a:pPr marL="2628849" lvl="1" indent="-571500">
-              <a:buFontTx/>
-              <a:buChar char="-"/>
-            </a:pPr>
-            <a:r>
-              <a:rPr lang="fr-FR" sz="4000" dirty="0">
+              <a:t>- Électronique</a:t>
+            </a:r>
+            <a:endParaRPr lang="fr-FR" sz="4000" dirty="0">
+              <a:latin typeface="+mj-lt"/>
+            </a:endParaRPr>
+          </a:p>
+          <a:p>
+            <a:r>
+              <a:rPr lang="fr-FR" sz="4000">
                 <a:solidFill>
                   <a:schemeClr val="accent5">
                     <a:lumMod val="50000"/>
@@ -6730,7 +6730,19 @@
                 <a:latin typeface="+mj-lt"/>
                 <a:cs typeface="Times New Roman" panose="02020603050405020304" pitchFamily="18" charset="0"/>
               </a:rPr>
-              <a:t>Java (interface)</a:t>
+              <a:t>- Java </a:t>
+            </a:r>
+            <a:r>
+              <a:rPr lang="fr-FR" sz="4000" dirty="0">
+                <a:solidFill>
+                  <a:schemeClr val="accent5">
+                    <a:lumMod val="50000"/>
+                  </a:schemeClr>
+                </a:solidFill>
+                <a:latin typeface="+mj-lt"/>
+                <a:cs typeface="Times New Roman" panose="02020603050405020304" pitchFamily="18" charset="0"/>
+              </a:rPr>
+              <a:t>(interface)</a:t>
             </a:r>
           </a:p>
           <a:p>
